--- a/clustering/GMM Model.pptx
+++ b/clustering/GMM Model.pptx
@@ -5,7 +5,7 @@
     <p:sldMasterId id="2147483648" r:id="rId1"/>
   </p:sldMasterIdLst>
   <p:notesMasterIdLst>
-    <p:notesMasterId r:id="rId39"/>
+    <p:notesMasterId r:id="rId43"/>
   </p:notesMasterIdLst>
   <p:sldIdLst>
     <p:sldId id="256" r:id="rId2"/>
@@ -43,29 +43,33 @@
     <p:sldId id="289" r:id="rId34"/>
     <p:sldId id="290" r:id="rId35"/>
     <p:sldId id="291" r:id="rId36"/>
-    <p:sldId id="292" r:id="rId37"/>
-    <p:sldId id="293" r:id="rId38"/>
+    <p:sldId id="294" r:id="rId37"/>
+    <p:sldId id="295" r:id="rId38"/>
+    <p:sldId id="296" r:id="rId39"/>
+    <p:sldId id="297" r:id="rId40"/>
+    <p:sldId id="292" r:id="rId41"/>
+    <p:sldId id="293" r:id="rId42"/>
   </p:sldIdLst>
   <p:sldSz cx="12192000" cy="6858000"/>
   <p:notesSz cx="6858000" cy="9144000"/>
   <p:embeddedFontLst>
     <p:embeddedFont>
       <p:font typeface="Roboto" panose="020B0604020202020204" charset="0"/>
-      <p:regular r:id="rId40"/>
-      <p:bold r:id="rId41"/>
-      <p:italic r:id="rId42"/>
-      <p:boldItalic r:id="rId43"/>
-    </p:embeddedFont>
-    <p:embeddedFont>
-      <p:font typeface="Calibri" panose="020F0502020204030204" pitchFamily="34" charset="0"/>
       <p:regular r:id="rId44"/>
       <p:bold r:id="rId45"/>
       <p:italic r:id="rId46"/>
       <p:boldItalic r:id="rId47"/>
     </p:embeddedFont>
     <p:embeddedFont>
+      <p:font typeface="Calibri" panose="020F0502020204030204" pitchFamily="34" charset="0"/>
+      <p:regular r:id="rId48"/>
+      <p:bold r:id="rId49"/>
+      <p:italic r:id="rId50"/>
+      <p:boldItalic r:id="rId51"/>
+    </p:embeddedFont>
+    <p:embeddedFont>
       <p:font typeface="Cambria Math" panose="02040503050406030204" pitchFamily="18" charset="0"/>
-      <p:regular r:id="rId48"/>
+      <p:regular r:id="rId52"/>
     </p:embeddedFont>
   </p:embeddedFontLst>
   <p:defaultTextStyle>
@@ -298,8 +302,11 @@
     </a:lvl9pPr>
   </p:defaultTextStyle>
   <p:extLst>
+    <p:ext uri="{EFAFB233-063F-42B5-8137-9DF3F51BA10A}">
+      <p15:sldGuideLst xmlns:p15="http://schemas.microsoft.com/office/powerpoint/2012/main"/>
+    </p:ext>
     <p:ext uri="GoogleSlidesCustomDataVersion2">
-      <go:slidesCustomData xmlns:go="http://customooxmlschemas.google.com/" xmlns:ahyp="http://schemas.microsoft.com/office/drawing/2018/hyperlinkcolor" xmlns:p15="http://schemas.microsoft.com/office/powerpoint/2012/main" xmlns:p14="http://schemas.microsoft.com/office/powerpoint/2010/main" xmlns:com="http://schemas.openxmlformats.org/drawingml/2006/compatibility" xmlns:pvml="urn:schemas-microsoft-com:office:powerpoint" xmlns:v="urn:schemas-microsoft-com:vml" xmlns:o="urn:schemas-microsoft-com:office:office" xmlns:dgm="http://schemas.openxmlformats.org/drawingml/2006/diagram" xmlns:c="http://schemas.openxmlformats.org/drawingml/2006/chart" xmlns:mv="urn:schemas-microsoft-com:mac:vml" xmlns:mc="http://schemas.openxmlformats.org/markup-compatibility/2006" xmlns="" r:id="rId49" roundtripDataSignature="AMtx7mgqc5SpI14FSepuilGsu99Te6qk1g=="/>
+      <go:slidesCustomData xmlns="" xmlns:mc="http://schemas.openxmlformats.org/markup-compatibility/2006" xmlns:mv="urn:schemas-microsoft-com:mac:vml" xmlns:c="http://schemas.openxmlformats.org/drawingml/2006/chart" xmlns:dgm="http://schemas.openxmlformats.org/drawingml/2006/diagram" xmlns:o="urn:schemas-microsoft-com:office:office" xmlns:v="urn:schemas-microsoft-com:vml" xmlns:pvml="urn:schemas-microsoft-com:office:powerpoint" xmlns:com="http://schemas.openxmlformats.org/drawingml/2006/compatibility" xmlns:p14="http://schemas.microsoft.com/office/powerpoint/2010/main" xmlns:p15="http://schemas.microsoft.com/office/powerpoint/2012/main" xmlns:ahyp="http://schemas.microsoft.com/office/drawing/2018/hyperlinkcolor" xmlns:go="http://customooxmlschemas.google.com/" r:id="rId53" roundtripDataSignature="AMtx7mgqc5SpI14FSepuilGsu99Te6qk1g=="/>
     </p:ext>
   </p:extLst>
 </p:presentation>
@@ -1049,11 +1056,11 @@
           <c:showBubbleSize val="0"/>
         </c:dLbls>
         <c:smooth val="0"/>
-        <c:axId val="329292528"/>
-        <c:axId val="329288608"/>
+        <c:axId val="219133752"/>
+        <c:axId val="206903800"/>
       </c:lineChart>
       <c:catAx>
-        <c:axId val="329292528"/>
+        <c:axId val="219133752"/>
         <c:scaling>
           <c:orientation val="minMax"/>
         </c:scaling>
@@ -1063,7 +1070,7 @@
         <c:majorTickMark val="none"/>
         <c:minorTickMark val="none"/>
         <c:tickLblPos val="nextTo"/>
-        <c:crossAx val="329288608"/>
+        <c:crossAx val="206903800"/>
         <c:crosses val="autoZero"/>
         <c:auto val="1"/>
         <c:lblAlgn val="ctr"/>
@@ -1071,7 +1078,7 @@
         <c:noMultiLvlLbl val="0"/>
       </c:catAx>
       <c:valAx>
-        <c:axId val="329288608"/>
+        <c:axId val="206903800"/>
         <c:scaling>
           <c:orientation val="minMax"/>
         </c:scaling>
@@ -1095,7 +1102,7 @@
         <c:majorTickMark val="none"/>
         <c:minorTickMark val="none"/>
         <c:tickLblPos val="nextTo"/>
-        <c:crossAx val="329292528"/>
+        <c:crossAx val="219133752"/>
         <c:crosses val="autoZero"/>
         <c:crossBetween val="between"/>
       </c:valAx>
@@ -1878,11 +1885,11 @@
           <c:showBubbleSize val="0"/>
         </c:dLbls>
         <c:smooth val="0"/>
-        <c:axId val="325126368"/>
-        <c:axId val="325120488"/>
+        <c:axId val="220911128"/>
+        <c:axId val="260723704"/>
       </c:lineChart>
       <c:catAx>
-        <c:axId val="325126368"/>
+        <c:axId val="220911128"/>
         <c:scaling>
           <c:orientation val="minMax"/>
         </c:scaling>
@@ -1892,7 +1899,7 @@
         <c:majorTickMark val="none"/>
         <c:minorTickMark val="none"/>
         <c:tickLblPos val="nextTo"/>
-        <c:crossAx val="325120488"/>
+        <c:crossAx val="260723704"/>
         <c:crosses val="autoZero"/>
         <c:auto val="1"/>
         <c:lblAlgn val="ctr"/>
@@ -1900,7 +1907,7 @@
         <c:noMultiLvlLbl val="0"/>
       </c:catAx>
       <c:valAx>
-        <c:axId val="325120488"/>
+        <c:axId val="260723704"/>
         <c:scaling>
           <c:orientation val="minMax"/>
         </c:scaling>
@@ -1924,7 +1931,7 @@
         <c:majorTickMark val="none"/>
         <c:minorTickMark val="none"/>
         <c:tickLblPos val="nextTo"/>
-        <c:crossAx val="325126368"/>
+        <c:crossAx val="220911128"/>
         <c:crosses val="autoZero"/>
         <c:crossBetween val="between"/>
       </c:valAx>
@@ -2707,11 +2714,11 @@
           <c:showBubbleSize val="0"/>
         </c:dLbls>
         <c:smooth val="0"/>
-        <c:axId val="329049160"/>
-        <c:axId val="221415360"/>
+        <c:axId val="260859720"/>
+        <c:axId val="260860104"/>
       </c:lineChart>
       <c:catAx>
-        <c:axId val="329049160"/>
+        <c:axId val="260859720"/>
         <c:scaling>
           <c:orientation val="minMax"/>
         </c:scaling>
@@ -2721,7 +2728,7 @@
         <c:majorTickMark val="none"/>
         <c:minorTickMark val="none"/>
         <c:tickLblPos val="nextTo"/>
-        <c:crossAx val="221415360"/>
+        <c:crossAx val="260860104"/>
         <c:crosses val="autoZero"/>
         <c:auto val="1"/>
         <c:lblAlgn val="ctr"/>
@@ -2729,7 +2736,7 @@
         <c:noMultiLvlLbl val="0"/>
       </c:catAx>
       <c:valAx>
-        <c:axId val="221415360"/>
+        <c:axId val="260860104"/>
         <c:scaling>
           <c:orientation val="minMax"/>
         </c:scaling>
@@ -2753,7 +2760,7 @@
         <c:majorTickMark val="none"/>
         <c:minorTickMark val="none"/>
         <c:tickLblPos val="nextTo"/>
-        <c:crossAx val="329049160"/>
+        <c:crossAx val="260859720"/>
         <c:crosses val="autoZero"/>
         <c:crossBetween val="between"/>
       </c:valAx>
@@ -3536,11 +3543,11 @@
           <c:showBubbleSize val="0"/>
         </c:dLbls>
         <c:smooth val="0"/>
-        <c:axId val="325141248"/>
-        <c:axId val="449783792"/>
+        <c:axId val="218193896"/>
+        <c:axId val="218191936"/>
       </c:lineChart>
       <c:catAx>
-        <c:axId val="325141248"/>
+        <c:axId val="218193896"/>
         <c:scaling>
           <c:orientation val="minMax"/>
         </c:scaling>
@@ -3550,7 +3557,7 @@
         <c:majorTickMark val="none"/>
         <c:minorTickMark val="none"/>
         <c:tickLblPos val="nextTo"/>
-        <c:crossAx val="449783792"/>
+        <c:crossAx val="218191936"/>
         <c:crosses val="autoZero"/>
         <c:auto val="1"/>
         <c:lblAlgn val="ctr"/>
@@ -3558,7 +3565,7 @@
         <c:noMultiLvlLbl val="0"/>
       </c:catAx>
       <c:valAx>
-        <c:axId val="449783792"/>
+        <c:axId val="218191936"/>
         <c:scaling>
           <c:orientation val="minMax"/>
         </c:scaling>
@@ -3582,7 +3589,7 @@
         <c:majorTickMark val="none"/>
         <c:minorTickMark val="none"/>
         <c:tickLblPos val="nextTo"/>
-        <c:crossAx val="325141248"/>
+        <c:crossAx val="218193896"/>
         <c:crosses val="autoZero"/>
         <c:crossBetween val="between"/>
       </c:valAx>
@@ -4365,11 +4372,11 @@
           <c:showBubbleSize val="0"/>
         </c:dLbls>
         <c:smooth val="0"/>
-        <c:axId val="449795160"/>
-        <c:axId val="449792416"/>
+        <c:axId val="218194680"/>
+        <c:axId val="218195072"/>
       </c:lineChart>
       <c:catAx>
-        <c:axId val="449795160"/>
+        <c:axId val="218194680"/>
         <c:scaling>
           <c:orientation val="minMax"/>
         </c:scaling>
@@ -4379,7 +4386,7 @@
         <c:majorTickMark val="none"/>
         <c:minorTickMark val="none"/>
         <c:tickLblPos val="nextTo"/>
-        <c:crossAx val="449792416"/>
+        <c:crossAx val="218195072"/>
         <c:crosses val="autoZero"/>
         <c:auto val="1"/>
         <c:lblAlgn val="ctr"/>
@@ -4387,7 +4394,7 @@
         <c:noMultiLvlLbl val="0"/>
       </c:catAx>
       <c:valAx>
-        <c:axId val="449792416"/>
+        <c:axId val="218195072"/>
         <c:scaling>
           <c:orientation val="minMax"/>
         </c:scaling>
@@ -4411,7 +4418,7 @@
         <c:majorTickMark val="none"/>
         <c:minorTickMark val="none"/>
         <c:tickLblPos val="nextTo"/>
-        <c:crossAx val="449795160"/>
+        <c:crossAx val="218194680"/>
         <c:crosses val="autoZero"/>
         <c:crossBetween val="between"/>
       </c:valAx>
@@ -25348,7 +25355,7 @@
                 <a:hlinkClick r:id="rId8">
                   <a:extLst>
                     <a:ext uri="{A12FA001-AC4F-418D-AE19-62706E023703}">
-                      <ahyp:hlinkClr xmlns:ahyp="http://schemas.microsoft.com/office/drawing/2018/hyperlinkcolor" xmlns:p15="http://schemas.microsoft.com/office/powerpoint/2012/main" xmlns:p14="http://schemas.microsoft.com/office/powerpoint/2010/main" xmlns:com="http://schemas.openxmlformats.org/drawingml/2006/compatibility" xmlns:pvml="urn:schemas-microsoft-com:office:powerpoint" xmlns:v="urn:schemas-microsoft-com:vml" xmlns:o="urn:schemas-microsoft-com:office:office" xmlns:dgm="http://schemas.openxmlformats.org/drawingml/2006/diagram" xmlns:c="http://schemas.openxmlformats.org/drawingml/2006/chart" xmlns:mv="urn:schemas-microsoft-com:mac:vml" xmlns:mc="http://schemas.openxmlformats.org/markup-compatibility/2006" xmlns="" val="tx"/>
+                      <ahyp:hlinkClr xmlns="" xmlns:mc="http://schemas.openxmlformats.org/markup-compatibility/2006" xmlns:mv="urn:schemas-microsoft-com:mac:vml" xmlns:c="http://schemas.openxmlformats.org/drawingml/2006/chart" xmlns:dgm="http://schemas.openxmlformats.org/drawingml/2006/diagram" xmlns:o="urn:schemas-microsoft-com:office:office" xmlns:v="urn:schemas-microsoft-com:vml" xmlns:pvml="urn:schemas-microsoft-com:office:powerpoint" xmlns:com="http://schemas.openxmlformats.org/drawingml/2006/compatibility" xmlns:p14="http://schemas.microsoft.com/office/powerpoint/2010/main" xmlns:p15="http://schemas.microsoft.com/office/powerpoint/2012/main" xmlns:ahyp="http://schemas.microsoft.com/office/drawing/2018/hyperlinkcolor" val="tx"/>
                     </a:ext>
                   </a:extLst>
                 </a:hlinkClick>
@@ -29232,8 +29239,8 @@
                     </a:p>
                   </p:txBody>
                 </p:sp>
-                <mc:AlternateContent xmlns:mc="http://schemas.openxmlformats.org/markup-compatibility/2006">
-                  <mc:Choice xmlns:a14="http://schemas.microsoft.com/office/drawing/2010/main" Requires="a14">
+                <mc:AlternateContent xmlns:mc="http://schemas.openxmlformats.org/markup-compatibility/2006" xmlns:a14="http://schemas.microsoft.com/office/drawing/2010/main">
+                  <mc:Choice Requires="a14">
                     <p:sp>
                       <p:nvSpPr>
                         <p:cNvPr id="9" name="Rectangle 8"/>
@@ -29288,7 +29295,7 @@
                       </p:txBody>
                     </p:sp>
                   </mc:Choice>
-                  <mc:Fallback>
+                  <mc:Fallback xmlns="">
                     <p:sp>
                       <p:nvSpPr>
                         <p:cNvPr id="9" name="Rectangle 8"/>
@@ -29327,8 +29334,8 @@
                     </p:sp>
                   </mc:Fallback>
                 </mc:AlternateContent>
-                <mc:AlternateContent xmlns:mc="http://schemas.openxmlformats.org/markup-compatibility/2006">
-                  <mc:Choice xmlns:a14="http://schemas.microsoft.com/office/drawing/2010/main" Requires="a14">
+                <mc:AlternateContent xmlns:mc="http://schemas.openxmlformats.org/markup-compatibility/2006" xmlns:a14="http://schemas.microsoft.com/office/drawing/2010/main">
+                  <mc:Choice Requires="a14">
                     <p:sp>
                       <p:nvSpPr>
                         <p:cNvPr id="71" name="Rectangle 70"/>
@@ -29383,7 +29390,7 @@
                       </p:txBody>
                     </p:sp>
                   </mc:Choice>
-                  <mc:Fallback>
+                  <mc:Fallback xmlns="">
                     <p:sp>
                       <p:nvSpPr>
                         <p:cNvPr id="71" name="Rectangle 70"/>
@@ -29475,8 +29482,8 @@
                     </a:p>
                   </p:txBody>
                 </p:sp>
-                <mc:AlternateContent xmlns:mc="http://schemas.openxmlformats.org/markup-compatibility/2006">
-                  <mc:Choice xmlns:a14="http://schemas.microsoft.com/office/drawing/2010/main" Requires="a14">
+                <mc:AlternateContent xmlns:mc="http://schemas.openxmlformats.org/markup-compatibility/2006" xmlns:a14="http://schemas.microsoft.com/office/drawing/2010/main">
+                  <mc:Choice Requires="a14">
                     <p:sp>
                       <p:nvSpPr>
                         <p:cNvPr id="75" name="Rectangle 74"/>
@@ -29531,7 +29538,7 @@
                       </p:txBody>
                     </p:sp>
                   </mc:Choice>
-                  <mc:Fallback>
+                  <mc:Fallback xmlns="">
                     <p:sp>
                       <p:nvSpPr>
                         <p:cNvPr id="75" name="Rectangle 74"/>
@@ -29570,8 +29577,8 @@
                     </p:sp>
                   </mc:Fallback>
                 </mc:AlternateContent>
-                <mc:AlternateContent xmlns:mc="http://schemas.openxmlformats.org/markup-compatibility/2006">
-                  <mc:Choice xmlns:a14="http://schemas.microsoft.com/office/drawing/2010/main" Requires="a14">
+                <mc:AlternateContent xmlns:mc="http://schemas.openxmlformats.org/markup-compatibility/2006" xmlns:a14="http://schemas.microsoft.com/office/drawing/2010/main">
+                  <mc:Choice Requires="a14">
                     <p:sp>
                       <p:nvSpPr>
                         <p:cNvPr id="76" name="Rectangle 75"/>
@@ -29626,7 +29633,7 @@
                       </p:txBody>
                     </p:sp>
                   </mc:Choice>
-                  <mc:Fallback>
+                  <mc:Fallback xmlns="">
                     <p:sp>
                       <p:nvSpPr>
                         <p:cNvPr id="76" name="Rectangle 75"/>
@@ -29813,7 +29820,7 @@
                   <a:p>
                     <a:pPr algn="ctr"/>
                     <a:r>
-                      <a:rPr lang="en-US" sz="1200" dirty="0" smtClean="0">
+                      <a:rPr lang="en-US" sz="1100" dirty="0" smtClean="0">
                         <a:solidFill>
                           <a:prstClr val="white"/>
                         </a:solidFill>
@@ -30665,8 +30672,8 @@
               </p:sp>
             </p:grpSp>
           </p:grpSp>
-          <mc:AlternateContent xmlns:mc="http://schemas.openxmlformats.org/markup-compatibility/2006">
-            <mc:Choice xmlns:a14="http://schemas.microsoft.com/office/drawing/2010/main" Requires="a14">
+          <mc:AlternateContent xmlns:mc="http://schemas.openxmlformats.org/markup-compatibility/2006" xmlns:a14="http://schemas.microsoft.com/office/drawing/2010/main">
+            <mc:Choice Requires="a14">
               <p:graphicFrame>
                 <p:nvGraphicFramePr>
                   <p:cNvPr id="126" name="Chart 125"/>
@@ -30688,7 +30695,7 @@
                 </a:graphic>
               </p:graphicFrame>
             </mc:Choice>
-            <mc:Fallback>
+            <mc:Fallback xmlns="">
               <p:graphicFrame>
                 <p:nvGraphicFramePr>
                   <p:cNvPr id="126" name="Chart 125"/>
@@ -30705,14 +30712,14 @@
                 </p:xfrm>
                 <a:graphic>
                   <a:graphicData uri="http://schemas.openxmlformats.org/drawingml/2006/chart">
-                    <c:chart xmlns:c="http://schemas.openxmlformats.org/drawingml/2006/chart" xmlns:r="http://schemas.openxmlformats.org/officeDocument/2006/relationships" r:id="rId6"/>
+                    <c:chart xmlns:c="http://schemas.openxmlformats.org/drawingml/2006/chart" xmlns:r="http://schemas.openxmlformats.org/officeDocument/2006/relationships" r:id="rId7"/>
                   </a:graphicData>
                 </a:graphic>
               </p:graphicFrame>
             </mc:Fallback>
           </mc:AlternateContent>
-          <mc:AlternateContent xmlns:mc="http://schemas.openxmlformats.org/markup-compatibility/2006">
-            <mc:Choice xmlns:a14="http://schemas.microsoft.com/office/drawing/2010/main" Requires="a14">
+          <mc:AlternateContent xmlns:mc="http://schemas.openxmlformats.org/markup-compatibility/2006" xmlns:a14="http://schemas.microsoft.com/office/drawing/2010/main">
+            <mc:Choice Requires="a14">
               <p:graphicFrame>
                 <p:nvGraphicFramePr>
                   <p:cNvPr id="127" name="Chart 126"/>
@@ -30729,12 +30736,12 @@
                 </p:xfrm>
                 <a:graphic>
                   <a:graphicData uri="http://schemas.openxmlformats.org/drawingml/2006/chart">
-                    <c:chart xmlns:c="http://schemas.openxmlformats.org/drawingml/2006/chart" xmlns:r="http://schemas.openxmlformats.org/officeDocument/2006/relationships" r:id="rId7"/>
+                    <c:chart xmlns:c="http://schemas.openxmlformats.org/drawingml/2006/chart" xmlns:r="http://schemas.openxmlformats.org/officeDocument/2006/relationships" r:id="rId8"/>
                   </a:graphicData>
                 </a:graphic>
               </p:graphicFrame>
             </mc:Choice>
-            <mc:Fallback>
+            <mc:Fallback xmlns="">
               <p:graphicFrame>
                 <p:nvGraphicFramePr>
                   <p:cNvPr id="127" name="Chart 126"/>
@@ -30751,14 +30758,14 @@
                 </p:xfrm>
                 <a:graphic>
                   <a:graphicData uri="http://schemas.openxmlformats.org/drawingml/2006/chart">
-                    <c:chart xmlns:c="http://schemas.openxmlformats.org/drawingml/2006/chart" xmlns:r="http://schemas.openxmlformats.org/officeDocument/2006/relationships" r:id="rId7"/>
+                    <c:chart xmlns:c="http://schemas.openxmlformats.org/drawingml/2006/chart" xmlns:r="http://schemas.openxmlformats.org/officeDocument/2006/relationships" r:id="rId9"/>
                   </a:graphicData>
                 </a:graphic>
               </p:graphicFrame>
             </mc:Fallback>
           </mc:AlternateContent>
-          <mc:AlternateContent xmlns:mc="http://schemas.openxmlformats.org/markup-compatibility/2006">
-            <mc:Choice xmlns:a14="http://schemas.microsoft.com/office/drawing/2010/main" Requires="a14">
+          <mc:AlternateContent xmlns:mc="http://schemas.openxmlformats.org/markup-compatibility/2006" xmlns:a14="http://schemas.microsoft.com/office/drawing/2010/main">
+            <mc:Choice Requires="a14">
               <p:graphicFrame>
                 <p:nvGraphicFramePr>
                   <p:cNvPr id="128" name="Chart 127"/>
@@ -30775,12 +30782,12 @@
                 </p:xfrm>
                 <a:graphic>
                   <a:graphicData uri="http://schemas.openxmlformats.org/drawingml/2006/chart">
-                    <c:chart xmlns:c="http://schemas.openxmlformats.org/drawingml/2006/chart" xmlns:r="http://schemas.openxmlformats.org/officeDocument/2006/relationships" r:id="rId8"/>
+                    <c:chart xmlns:c="http://schemas.openxmlformats.org/drawingml/2006/chart" xmlns:r="http://schemas.openxmlformats.org/officeDocument/2006/relationships" r:id="rId10"/>
                   </a:graphicData>
                 </a:graphic>
               </p:graphicFrame>
             </mc:Choice>
-            <mc:Fallback>
+            <mc:Fallback xmlns="">
               <p:graphicFrame>
                 <p:nvGraphicFramePr>
                   <p:cNvPr id="128" name="Chart 127"/>
@@ -30797,14 +30804,14 @@
                 </p:xfrm>
                 <a:graphic>
                   <a:graphicData uri="http://schemas.openxmlformats.org/drawingml/2006/chart">
-                    <c:chart xmlns:c="http://schemas.openxmlformats.org/drawingml/2006/chart" xmlns:r="http://schemas.openxmlformats.org/officeDocument/2006/relationships" r:id="rId8"/>
+                    <c:chart xmlns:c="http://schemas.openxmlformats.org/drawingml/2006/chart" xmlns:r="http://schemas.openxmlformats.org/officeDocument/2006/relationships" r:id="rId11"/>
                   </a:graphicData>
                 </a:graphic>
               </p:graphicFrame>
             </mc:Fallback>
           </mc:AlternateContent>
-          <mc:AlternateContent xmlns:mc="http://schemas.openxmlformats.org/markup-compatibility/2006">
-            <mc:Choice xmlns:a14="http://schemas.microsoft.com/office/drawing/2010/main" Requires="a14">
+          <mc:AlternateContent xmlns:mc="http://schemas.openxmlformats.org/markup-compatibility/2006" xmlns:a14="http://schemas.microsoft.com/office/drawing/2010/main">
+            <mc:Choice Requires="a14">
               <p:graphicFrame>
                 <p:nvGraphicFramePr>
                   <p:cNvPr id="129" name="Chart 128"/>
@@ -30821,12 +30828,12 @@
                 </p:xfrm>
                 <a:graphic>
                   <a:graphicData uri="http://schemas.openxmlformats.org/drawingml/2006/chart">
-                    <c:chart xmlns:c="http://schemas.openxmlformats.org/drawingml/2006/chart" xmlns:r="http://schemas.openxmlformats.org/officeDocument/2006/relationships" r:id="rId9"/>
+                    <c:chart xmlns:c="http://schemas.openxmlformats.org/drawingml/2006/chart" xmlns:r="http://schemas.openxmlformats.org/officeDocument/2006/relationships" r:id="rId12"/>
                   </a:graphicData>
                 </a:graphic>
               </p:graphicFrame>
             </mc:Choice>
-            <mc:Fallback>
+            <mc:Fallback xmlns="">
               <p:graphicFrame>
                 <p:nvGraphicFramePr>
                   <p:cNvPr id="129" name="Chart 128"/>
@@ -30843,14 +30850,14 @@
                 </p:xfrm>
                 <a:graphic>
                   <a:graphicData uri="http://schemas.openxmlformats.org/drawingml/2006/chart">
-                    <c:chart xmlns:c="http://schemas.openxmlformats.org/drawingml/2006/chart" xmlns:r="http://schemas.openxmlformats.org/officeDocument/2006/relationships" r:id="rId9"/>
+                    <c:chart xmlns:c="http://schemas.openxmlformats.org/drawingml/2006/chart" xmlns:r="http://schemas.openxmlformats.org/officeDocument/2006/relationships" r:id="rId13"/>
                   </a:graphicData>
                 </a:graphic>
               </p:graphicFrame>
             </mc:Fallback>
           </mc:AlternateContent>
-          <mc:AlternateContent xmlns:mc="http://schemas.openxmlformats.org/markup-compatibility/2006">
-            <mc:Choice xmlns:a14="http://schemas.microsoft.com/office/drawing/2010/main" Requires="a14">
+          <mc:AlternateContent xmlns:mc="http://schemas.openxmlformats.org/markup-compatibility/2006" xmlns:a14="http://schemas.microsoft.com/office/drawing/2010/main">
+            <mc:Choice Requires="a14">
               <p:graphicFrame>
                 <p:nvGraphicFramePr>
                   <p:cNvPr id="130" name="Chart 129"/>
@@ -30867,12 +30874,12 @@
                 </p:xfrm>
                 <a:graphic>
                   <a:graphicData uri="http://schemas.openxmlformats.org/drawingml/2006/chart">
-                    <c:chart xmlns:c="http://schemas.openxmlformats.org/drawingml/2006/chart" xmlns:r="http://schemas.openxmlformats.org/officeDocument/2006/relationships" r:id="rId10"/>
+                    <c:chart xmlns:c="http://schemas.openxmlformats.org/drawingml/2006/chart" xmlns:r="http://schemas.openxmlformats.org/officeDocument/2006/relationships" r:id="rId14"/>
                   </a:graphicData>
                 </a:graphic>
               </p:graphicFrame>
             </mc:Choice>
-            <mc:Fallback>
+            <mc:Fallback xmlns="">
               <p:graphicFrame>
                 <p:nvGraphicFramePr>
                   <p:cNvPr id="130" name="Chart 129"/>
@@ -30889,7 +30896,7 @@
                 </p:xfrm>
                 <a:graphic>
                   <a:graphicData uri="http://schemas.openxmlformats.org/drawingml/2006/chart">
-                    <c:chart xmlns:c="http://schemas.openxmlformats.org/drawingml/2006/chart" xmlns:r="http://schemas.openxmlformats.org/officeDocument/2006/relationships" r:id="rId10"/>
+                    <c:chart xmlns:c="http://schemas.openxmlformats.org/drawingml/2006/chart" xmlns:r="http://schemas.openxmlformats.org/officeDocument/2006/relationships" r:id="rId15"/>
                   </a:graphicData>
                 </a:graphic>
               </p:graphicFrame>
@@ -33076,8 +33083,8 @@
         </p:nvSpPr>
         <p:spPr>
           <a:xfrm>
-            <a:off x="331304" y="1868267"/>
-            <a:ext cx="4267201" cy="2308324"/>
+            <a:off x="289101" y="1544710"/>
+            <a:ext cx="4267201" cy="4524315"/>
           </a:xfrm>
           <a:prstGeom prst="rect">
             <a:avLst/>
@@ -33095,18 +33102,18 @@
               <a:buChar char="•"/>
             </a:pPr>
             <a:r>
-              <a:rPr lang="en-US" dirty="0"/>
+              <a:rPr lang="en-US" sz="2400" dirty="0"/>
               <a:t>The model cannot maintain the balance between r-loss and </a:t>
             </a:r>
             <a:r>
-              <a:rPr lang="en-US" dirty="0" err="1"/>
+              <a:rPr lang="en-US" sz="2400" dirty="0" err="1"/>
               <a:t>reg</a:t>
             </a:r>
             <a:r>
-              <a:rPr lang="en-US" dirty="0"/>
+              <a:rPr lang="en-US" sz="2400" dirty="0"/>
               <a:t>-loss. </a:t>
             </a:r>
-            <a:endParaRPr lang="en-US" dirty="0" smtClean="0"/>
+            <a:endParaRPr lang="en-US" sz="2400" dirty="0" smtClean="0"/>
           </a:p>
           <a:p>
             <a:pPr marL="285750" indent="-285750">
@@ -33114,14 +33121,14 @@
               <a:buChar char="•"/>
             </a:pPr>
             <a:r>
-              <a:rPr lang="en-US" dirty="0" smtClean="0"/>
+              <a:rPr lang="en-US" sz="2400" dirty="0" smtClean="0"/>
               <a:t>Using </a:t>
             </a:r>
             <a:r>
-              <a:rPr lang="en-US" dirty="0"/>
+              <a:rPr lang="en-US" sz="2400" dirty="0"/>
               <a:t>a small gamma value, close to 0, leads to good accuracy. </a:t>
             </a:r>
-            <a:endParaRPr lang="en-US" dirty="0" smtClean="0"/>
+            <a:endParaRPr lang="en-US" sz="2400" dirty="0" smtClean="0"/>
           </a:p>
           <a:p>
             <a:pPr marL="285750" indent="-285750">
@@ -33129,12 +33136,36 @@
               <a:buChar char="•"/>
             </a:pPr>
             <a:r>
-              <a:rPr lang="en-US" dirty="0" smtClean="0"/>
+              <a:rPr lang="en-US" sz="2400" dirty="0" smtClean="0"/>
               <a:t>However</a:t>
             </a:r>
             <a:r>
-              <a:rPr lang="en-US" dirty="0"/>
-              <a:t>, because the impact of regularization is very low, the correlation drops as the accuracy reaches a higher value</a:t>
+              <a:rPr lang="en-US" sz="2400" dirty="0"/>
+              <a:t>, because the impact of regularization is very low, the </a:t>
+            </a:r>
+            <a:r>
+              <a:rPr lang="en-US" sz="2400" u="sng" dirty="0">
+                <a:solidFill>
+                  <a:srgbClr val="FF0000"/>
+                </a:solidFill>
+              </a:rPr>
+              <a:t>correlation drops </a:t>
+            </a:r>
+            <a:r>
+              <a:rPr lang="en-US" sz="2400" u="sng" dirty="0" smtClean="0">
+                <a:solidFill>
+                  <a:srgbClr val="FF0000"/>
+                </a:solidFill>
+              </a:rPr>
+              <a:t>significantly </a:t>
+            </a:r>
+            <a:r>
+              <a:rPr lang="en-US" sz="2400" dirty="0" smtClean="0"/>
+              <a:t>as </a:t>
+            </a:r>
+            <a:r>
+              <a:rPr lang="en-US" sz="2400" dirty="0"/>
+              <a:t>the accuracy reaches a higher value</a:t>
             </a:r>
           </a:p>
         </p:txBody>
@@ -33147,8 +33178,8 @@
         </p:nvSpPr>
         <p:spPr>
           <a:xfrm>
-            <a:off x="768627" y="748960"/>
-            <a:ext cx="2332382" cy="646331"/>
+            <a:off x="1064047" y="896412"/>
+            <a:ext cx="3071853" cy="338554"/>
           </a:xfrm>
           <a:prstGeom prst="rect">
             <a:avLst/>
@@ -33162,16 +33193,13 @@
           <a:lstStyle/>
           <a:p>
             <a:r>
-              <a:rPr lang="en-US" dirty="0" smtClean="0"/>
+              <a:rPr lang="en-US" sz="1600" b="1" dirty="0" smtClean="0">
+                <a:solidFill>
+                  <a:srgbClr val="0070C0"/>
+                </a:solidFill>
+              </a:rPr>
               <a:t>Gamma= 0.01</a:t>
             </a:r>
-          </a:p>
-          <a:p>
-            <a:r>
-              <a:rPr lang="en-US" dirty="0" smtClean="0"/>
-              <a:t>Latent dimension= 19</a:t>
-            </a:r>
-            <a:endParaRPr lang="en-US" dirty="0"/>
           </a:p>
         </p:txBody>
       </p:sp>
@@ -33185,6 +33213,13 @@
   <p:clrMapOvr>
     <a:masterClrMapping/>
   </p:clrMapOvr>
+  <p:timing>
+    <p:tnLst>
+      <p:par>
+        <p:cTn id="1" dur="indefinite" restart="never" nodeType="tmRoot"/>
+      </p:par>
+    </p:tnLst>
+  </p:timing>
 </p:sld>
 </file>
 
@@ -33205,35 +33240,37 @@
           <a:chExt cx="0" cy="0"/>
         </a:xfrm>
       </p:grpSpPr>
-      <p:pic>
-        <p:nvPicPr>
-          <p:cNvPr id="4" name="Content Placeholder 3"/>
-          <p:cNvPicPr>
-            <a:picLocks noGrp="1" noChangeAspect="1"/>
-          </p:cNvPicPr>
+      <p:sp>
+        <p:nvSpPr>
+          <p:cNvPr id="2" name="Title 1"/>
+          <p:cNvSpPr>
+            <a:spLocks noGrp="1"/>
+          </p:cNvSpPr>
           <p:nvPr>
-            <p:ph idx="1"/>
+            <p:ph type="title"/>
           </p:nvPr>
-        </p:nvPicPr>
-        <p:blipFill>
-          <a:blip r:embed="rId2">
-            <a:extLst>
-              <a:ext uri="{28A0092B-C50C-407E-A947-70E740481C1C}">
-                <a14:useLocalDpi xmlns:a14="http://schemas.microsoft.com/office/drawing/2010/main" val="0"/>
-              </a:ext>
-            </a:extLst>
-          </a:blip>
-          <a:stretch>
-            <a:fillRect/>
-          </a:stretch>
-        </p:blipFill>
-        <p:spPr>
-          <a:xfrm>
-            <a:off x="2849217" y="1"/>
-            <a:ext cx="7893365" cy="6906694"/>
-          </a:xfrm>
-        </p:spPr>
-      </p:pic>
+        </p:nvSpPr>
+        <p:spPr/>
+        <p:txBody>
+          <a:bodyPr/>
+          <a:lstStyle/>
+          <a:p>
+            <a:r>
+              <a:rPr lang="en-US" dirty="0" smtClean="0">
+                <a:solidFill>
+                  <a:srgbClr val="FF0000"/>
+                </a:solidFill>
+              </a:rPr>
+              <a:t>Grid Search</a:t>
+            </a:r>
+            <a:endParaRPr lang="en-US" dirty="0">
+              <a:solidFill>
+                <a:srgbClr val="FF0000"/>
+              </a:solidFill>
+            </a:endParaRPr>
+          </a:p>
+        </p:txBody>
+      </p:sp>
       <p:sp>
         <p:nvSpPr>
           <p:cNvPr id="5" name="TextBox 4"/>
@@ -33242,8 +33279,8 @@
         </p:nvSpPr>
         <p:spPr>
           <a:xfrm>
-            <a:off x="265044" y="1762539"/>
-            <a:ext cx="2332382" cy="646331"/>
+            <a:off x="653865" y="5119826"/>
+            <a:ext cx="3446585" cy="1200329"/>
           </a:xfrm>
           <a:prstGeom prst="rect">
             <a:avLst/>
@@ -33257,29 +33294,938 @@
           <a:lstStyle/>
           <a:p>
             <a:r>
-              <a:rPr lang="en-US" dirty="0" smtClean="0"/>
-              <a:t>Gamma= 0.01</a:t>
+              <a:rPr lang="en-US" sz="1800" dirty="0" smtClean="0"/>
+              <a:t>Latent dimension: 25</a:t>
             </a:r>
           </a:p>
           <a:p>
             <a:r>
-              <a:rPr lang="en-US" dirty="0" smtClean="0"/>
-              <a:t>Latent dimension=30</a:t>
+              <a:rPr lang="en-US" sz="1800" dirty="0"/>
+              <a:t>H</a:t>
             </a:r>
-            <a:endParaRPr lang="en-US" dirty="0"/>
+            <a:r>
+              <a:rPr lang="en-US" sz="1800" dirty="0" smtClean="0"/>
+              <a:t>idden:15</a:t>
+            </a:r>
+          </a:p>
+          <a:p>
+            <a:r>
+              <a:rPr lang="en-US" sz="1800" dirty="0" smtClean="0"/>
+              <a:t>Delta: 1 (scaling parameter)</a:t>
+            </a:r>
+          </a:p>
+          <a:p>
+            <a:endParaRPr lang="en-US" sz="1800" dirty="0"/>
           </a:p>
         </p:txBody>
       </p:sp>
+      <p:grpSp>
+        <p:nvGrpSpPr>
+          <p:cNvPr id="10" name="Group 9"/>
+          <p:cNvGrpSpPr/>
+          <p:nvPr/>
+        </p:nvGrpSpPr>
+        <p:grpSpPr>
+          <a:xfrm>
+            <a:off x="0" y="1453028"/>
+            <a:ext cx="4854301" cy="3640726"/>
+            <a:chOff x="167865" y="1666792"/>
+            <a:chExt cx="4854301" cy="3640726"/>
+          </a:xfrm>
+        </p:grpSpPr>
+        <p:pic>
+          <p:nvPicPr>
+            <p:cNvPr id="4" name="Picture 3"/>
+            <p:cNvPicPr>
+              <a:picLocks noChangeAspect="1"/>
+            </p:cNvPicPr>
+            <p:nvPr/>
+          </p:nvPicPr>
+          <p:blipFill>
+            <a:blip r:embed="rId2">
+              <a:extLst>
+                <a:ext uri="{28A0092B-C50C-407E-A947-70E740481C1C}">
+                  <a14:useLocalDpi xmlns:a14="http://schemas.microsoft.com/office/drawing/2010/main" val="0"/>
+                </a:ext>
+              </a:extLst>
+            </a:blip>
+            <a:stretch>
+              <a:fillRect/>
+            </a:stretch>
+          </p:blipFill>
+          <p:spPr>
+            <a:xfrm>
+              <a:off x="167865" y="1666792"/>
+              <a:ext cx="4854301" cy="3640726"/>
+            </a:xfrm>
+            <a:prstGeom prst="rect">
+              <a:avLst/>
+            </a:prstGeom>
+          </p:spPr>
+        </p:pic>
+        <p:cxnSp>
+          <p:nvCxnSpPr>
+            <p:cNvPr id="7" name="Straight Arrow Connector 6"/>
+            <p:cNvCxnSpPr/>
+            <p:nvPr/>
+          </p:nvCxnSpPr>
+          <p:spPr>
+            <a:xfrm flipH="1">
+              <a:off x="2331342" y="1986107"/>
+              <a:ext cx="154745" cy="309489"/>
+            </a:xfrm>
+            <a:prstGeom prst="straightConnector1">
+              <a:avLst/>
+            </a:prstGeom>
+            <a:ln>
+              <a:solidFill>
+                <a:srgbClr val="C00000"/>
+              </a:solidFill>
+              <a:tailEnd type="triangle"/>
+            </a:ln>
+          </p:spPr>
+          <p:style>
+            <a:lnRef idx="3">
+              <a:schemeClr val="accent2"/>
+            </a:lnRef>
+            <a:fillRef idx="0">
+              <a:schemeClr val="accent2"/>
+            </a:fillRef>
+            <a:effectRef idx="2">
+              <a:schemeClr val="accent2"/>
+            </a:effectRef>
+            <a:fontRef idx="minor">
+              <a:schemeClr val="tx1"/>
+            </a:fontRef>
+          </p:style>
+        </p:cxnSp>
+        <p:cxnSp>
+          <p:nvCxnSpPr>
+            <p:cNvPr id="8" name="Straight Arrow Connector 7"/>
+            <p:cNvCxnSpPr/>
+            <p:nvPr/>
+          </p:nvCxnSpPr>
+          <p:spPr>
+            <a:xfrm flipH="1">
+              <a:off x="1172231" y="1716259"/>
+              <a:ext cx="154745" cy="309489"/>
+            </a:xfrm>
+            <a:prstGeom prst="straightConnector1">
+              <a:avLst/>
+            </a:prstGeom>
+            <a:ln>
+              <a:solidFill>
+                <a:srgbClr val="C00000"/>
+              </a:solidFill>
+              <a:tailEnd type="triangle"/>
+            </a:ln>
+          </p:spPr>
+          <p:style>
+            <a:lnRef idx="3">
+              <a:schemeClr val="accent2"/>
+            </a:lnRef>
+            <a:fillRef idx="0">
+              <a:schemeClr val="accent2"/>
+            </a:fillRef>
+            <a:effectRef idx="2">
+              <a:schemeClr val="accent2"/>
+            </a:effectRef>
+            <a:fontRef idx="minor">
+              <a:schemeClr val="tx1"/>
+            </a:fontRef>
+          </p:style>
+        </p:cxnSp>
+      </p:grpSp>
+      <p:pic>
+        <p:nvPicPr>
+          <p:cNvPr id="9" name="Picture 8"/>
+          <p:cNvPicPr>
+            <a:picLocks noChangeAspect="1"/>
+          </p:cNvPicPr>
+          <p:nvPr/>
+        </p:nvPicPr>
+        <p:blipFill>
+          <a:blip r:embed="rId3">
+            <a:extLst>
+              <a:ext uri="{28A0092B-C50C-407E-A947-70E740481C1C}">
+                <a14:useLocalDpi xmlns:a14="http://schemas.microsoft.com/office/drawing/2010/main" val="0"/>
+              </a:ext>
+            </a:extLst>
+          </a:blip>
+          <a:stretch>
+            <a:fillRect/>
+          </a:stretch>
+        </p:blipFill>
+        <p:spPr>
+          <a:xfrm>
+            <a:off x="5813533" y="3403954"/>
+            <a:ext cx="4495724" cy="3379599"/>
+          </a:xfrm>
+          <a:prstGeom prst="rect">
+            <a:avLst/>
+          </a:prstGeom>
+        </p:spPr>
+      </p:pic>
+      <p:pic>
+        <p:nvPicPr>
+          <p:cNvPr id="12" name="Picture 11"/>
+          <p:cNvPicPr>
+            <a:picLocks noChangeAspect="1"/>
+          </p:cNvPicPr>
+          <p:nvPr/>
+        </p:nvPicPr>
+        <p:blipFill>
+          <a:blip r:embed="rId4">
+            <a:extLst>
+              <a:ext uri="{28A0092B-C50C-407E-A947-70E740481C1C}">
+                <a14:useLocalDpi xmlns:a14="http://schemas.microsoft.com/office/drawing/2010/main" val="0"/>
+              </a:ext>
+            </a:extLst>
+          </a:blip>
+          <a:stretch>
+            <a:fillRect/>
+          </a:stretch>
+        </p:blipFill>
+        <p:spPr>
+          <a:xfrm>
+            <a:off x="5813533" y="82544"/>
+            <a:ext cx="4495724" cy="3379598"/>
+          </a:xfrm>
+          <a:prstGeom prst="rect">
+            <a:avLst/>
+          </a:prstGeom>
+        </p:spPr>
+      </p:pic>
+      <p:sp>
+        <p:nvSpPr>
+          <p:cNvPr id="13" name="TextBox 12"/>
+          <p:cNvSpPr txBox="1"/>
+          <p:nvPr/>
+        </p:nvSpPr>
+        <p:spPr>
+          <a:xfrm>
+            <a:off x="10433069" y="859691"/>
+            <a:ext cx="1670840" cy="830997"/>
+          </a:xfrm>
+          <a:prstGeom prst="rect">
+            <a:avLst/>
+          </a:prstGeom>
+          <a:noFill/>
+        </p:spPr>
+        <p:txBody>
+          <a:bodyPr wrap="square" rtlCol="0">
+            <a:spAutoFit/>
+          </a:bodyPr>
+          <a:lstStyle/>
+          <a:p>
+            <a:r>
+              <a:rPr lang="en-US" sz="1600" dirty="0" smtClean="0"/>
+              <a:t>Gamma: </a:t>
+            </a:r>
+            <a:r>
+              <a:rPr lang="en-US" sz="1600" b="1" dirty="0" smtClean="0">
+                <a:solidFill>
+                  <a:srgbClr val="FF0000"/>
+                </a:solidFill>
+              </a:rPr>
+              <a:t>0.08</a:t>
+            </a:r>
+          </a:p>
+          <a:p>
+            <a:r>
+              <a:rPr lang="en-US" sz="1600" dirty="0"/>
+              <a:t>H</a:t>
+            </a:r>
+            <a:r>
+              <a:rPr lang="en-US" sz="1600" dirty="0" smtClean="0"/>
+              <a:t>idden:15</a:t>
+            </a:r>
+          </a:p>
+          <a:p>
+            <a:r>
+              <a:rPr lang="en-US" sz="1600" dirty="0" smtClean="0"/>
+              <a:t>Delta: 1</a:t>
+            </a:r>
+            <a:endParaRPr lang="en-US" sz="1600" dirty="0"/>
+          </a:p>
+        </p:txBody>
+      </p:sp>
+      <p:sp>
+        <p:nvSpPr>
+          <p:cNvPr id="14" name="TextBox 13"/>
+          <p:cNvSpPr txBox="1"/>
+          <p:nvPr/>
+        </p:nvSpPr>
+        <p:spPr>
+          <a:xfrm>
+            <a:off x="10433069" y="3964668"/>
+            <a:ext cx="2210973" cy="830997"/>
+          </a:xfrm>
+          <a:prstGeom prst="rect">
+            <a:avLst/>
+          </a:prstGeom>
+          <a:noFill/>
+        </p:spPr>
+        <p:txBody>
+          <a:bodyPr wrap="square" rtlCol="0">
+            <a:spAutoFit/>
+          </a:bodyPr>
+          <a:lstStyle/>
+          <a:p>
+            <a:r>
+              <a:rPr lang="en-US" sz="1600" dirty="0" smtClean="0"/>
+              <a:t>Gamma: </a:t>
+            </a:r>
+            <a:r>
+              <a:rPr lang="en-US" sz="1600" b="1" dirty="0" smtClean="0">
+                <a:solidFill>
+                  <a:srgbClr val="FF0000"/>
+                </a:solidFill>
+              </a:rPr>
+              <a:t>0.7</a:t>
+            </a:r>
+          </a:p>
+          <a:p>
+            <a:r>
+              <a:rPr lang="en-US" sz="1600" dirty="0"/>
+              <a:t>H</a:t>
+            </a:r>
+            <a:r>
+              <a:rPr lang="en-US" sz="1600" dirty="0" smtClean="0"/>
+              <a:t>idden:15</a:t>
+            </a:r>
+          </a:p>
+          <a:p>
+            <a:r>
+              <a:rPr lang="en-US" sz="1600" dirty="0" smtClean="0"/>
+              <a:t>Delta: 1</a:t>
+            </a:r>
+            <a:endParaRPr lang="en-US" sz="1600" dirty="0"/>
+          </a:p>
+        </p:txBody>
+      </p:sp>
+      <mc:AlternateContent xmlns:mc="http://schemas.openxmlformats.org/markup-compatibility/2006" xmlns:a14="http://schemas.microsoft.com/office/drawing/2010/main">
+        <mc:Choice Requires="a14">
+          <p:sp>
+            <p:nvSpPr>
+              <p:cNvPr id="15" name="Rectangle 14"/>
+              <p:cNvSpPr/>
+              <p:nvPr/>
+            </p:nvSpPr>
+            <p:spPr>
+              <a:xfrm>
+                <a:off x="612816" y="6346227"/>
+                <a:ext cx="2087110" cy="307777"/>
+              </a:xfrm>
+              <a:prstGeom prst="rect">
+                <a:avLst/>
+              </a:prstGeom>
+            </p:spPr>
+            <p:txBody>
+              <a:bodyPr wrap="none">
+                <a:spAutoFit/>
+              </a:bodyPr>
+              <a:lstStyle/>
+              <a:p>
+                <a:pPr lvl="0"/>
+                <a14:m>
+                  <m:oMath xmlns:m="http://schemas.openxmlformats.org/officeDocument/2006/math">
+                    <m:sSub>
+                      <m:sSubPr>
+                        <m:ctrlPr>
+                          <a:rPr lang="en-US" b="1" i="1" dirty="0" smtClean="0">
+                            <a:solidFill>
+                              <a:srgbClr val="002060"/>
+                            </a:solidFill>
+                            <a:latin typeface="Cambria Math" panose="02040503050406030204" pitchFamily="18" charset="0"/>
+                          </a:rPr>
+                        </m:ctrlPr>
+                      </m:sSubPr>
+                      <m:e>
+                        <m:r>
+                          <a:rPr lang="en-US" b="1" i="1" dirty="0">
+                            <a:solidFill>
+                              <a:srgbClr val="002060"/>
+                            </a:solidFill>
+                            <a:latin typeface="Cambria Math" panose="02040503050406030204" pitchFamily="18" charset="0"/>
+                          </a:rPr>
+                          <m:t>𝑳</m:t>
+                        </m:r>
+                      </m:e>
+                      <m:sub>
+                        <m:r>
+                          <a:rPr lang="en-US" b="1" i="0" dirty="0" smtClean="0">
+                            <a:solidFill>
+                              <a:srgbClr val="002060"/>
+                            </a:solidFill>
+                            <a:latin typeface="Cambria Math" panose="02040503050406030204" pitchFamily="18" charset="0"/>
+                          </a:rPr>
+                          <m:t>𝐑𝐄𝐆</m:t>
+                        </m:r>
+                      </m:sub>
+                    </m:sSub>
+                  </m:oMath>
+                </a14:m>
+                <a:r>
+                  <a:rPr lang="en-US" b="1" dirty="0">
+                    <a:solidFill>
+                      <a:srgbClr val="002060"/>
+                    </a:solidFill>
+                  </a:rPr>
+                  <a:t>= MAE</a:t>
+                </a:r>
+                <a:r>
+                  <a:rPr lang="en-US" b="1" dirty="0" smtClean="0">
+                    <a:solidFill>
+                      <a:srgbClr val="002060"/>
+                    </a:solidFill>
+                  </a:rPr>
+                  <a:t>( </a:t>
+                </a:r>
+                <a14:m>
+                  <m:oMath xmlns:m="http://schemas.openxmlformats.org/officeDocument/2006/math">
+                    <m:sSub>
+                      <m:sSubPr>
+                        <m:ctrlPr>
+                          <a:rPr lang="el-GR" b="1" i="1">
+                            <a:solidFill>
+                              <a:srgbClr val="002060"/>
+                            </a:solidFill>
+                            <a:latin typeface="Cambria Math" panose="02040503050406030204" pitchFamily="18" charset="0"/>
+                          </a:rPr>
+                        </m:ctrlPr>
+                      </m:sSubPr>
+                      <m:e>
+                        <m:r>
+                          <a:rPr lang="en-US" b="1" i="1">
+                            <a:solidFill>
+                              <a:srgbClr val="002060"/>
+                            </a:solidFill>
+                            <a:latin typeface="Cambria Math" panose="02040503050406030204" pitchFamily="18" charset="0"/>
+                          </a:rPr>
+                          <m:t>𝑫</m:t>
+                        </m:r>
+                      </m:e>
+                      <m:sub>
+                        <m:r>
+                          <a:rPr lang="en-US" b="1" i="1" smtClean="0">
+                            <a:solidFill>
+                              <a:srgbClr val="002060"/>
+                            </a:solidFill>
+                            <a:latin typeface="Cambria Math" panose="02040503050406030204" pitchFamily="18" charset="0"/>
+                          </a:rPr>
+                          <m:t>𝒛</m:t>
+                        </m:r>
+                      </m:sub>
+                    </m:sSub>
+                  </m:oMath>
+                </a14:m>
+                <a:r>
+                  <a:rPr lang="en-US" b="1" dirty="0">
+                    <a:solidFill>
+                      <a:srgbClr val="002060"/>
+                    </a:solidFill>
+                  </a:rPr>
+                  <a:t> </a:t>
+                </a:r>
+                <a:r>
+                  <a:rPr lang="en-US" b="1" dirty="0" smtClean="0">
+                    <a:solidFill>
+                      <a:srgbClr val="002060"/>
+                    </a:solidFill>
+                  </a:rPr>
+                  <a:t>– </a:t>
+                </a:r>
+                <a:r>
+                  <a:rPr lang="el-GR" b="1" dirty="0" smtClean="0">
+                    <a:solidFill>
+                      <a:srgbClr val="002060"/>
+                    </a:solidFill>
+                  </a:rPr>
+                  <a:t>δ</a:t>
+                </a:r>
+                <a14:m>
+                  <m:oMath xmlns:m="http://schemas.openxmlformats.org/officeDocument/2006/math">
+                    <m:sSub>
+                      <m:sSubPr>
+                        <m:ctrlPr>
+                          <a:rPr lang="el-GR" b="1" i="1">
+                            <a:solidFill>
+                              <a:srgbClr val="002060"/>
+                            </a:solidFill>
+                            <a:latin typeface="Cambria Math" panose="02040503050406030204" pitchFamily="18" charset="0"/>
+                          </a:rPr>
+                        </m:ctrlPr>
+                      </m:sSubPr>
+                      <m:e>
+                        <m:r>
+                          <a:rPr lang="en-US" b="1" i="1">
+                            <a:solidFill>
+                              <a:srgbClr val="002060"/>
+                            </a:solidFill>
+                            <a:latin typeface="Cambria Math" panose="02040503050406030204" pitchFamily="18" charset="0"/>
+                          </a:rPr>
+                          <m:t>𝑫</m:t>
+                        </m:r>
+                      </m:e>
+                      <m:sub>
+                        <m:r>
+                          <a:rPr lang="en-US" b="1" i="1" smtClean="0">
+                            <a:solidFill>
+                              <a:srgbClr val="002060"/>
+                            </a:solidFill>
+                            <a:latin typeface="Cambria Math" panose="02040503050406030204" pitchFamily="18" charset="0"/>
+                          </a:rPr>
+                          <m:t>𝑪𝑺</m:t>
+                        </m:r>
+                      </m:sub>
+                    </m:sSub>
+                  </m:oMath>
+                </a14:m>
+                <a:r>
+                  <a:rPr lang="en-US" b="1" dirty="0" smtClean="0">
+                    <a:solidFill>
+                      <a:srgbClr val="002060"/>
+                    </a:solidFill>
+                  </a:rPr>
+                  <a:t>)</a:t>
+                </a:r>
+                <a:endParaRPr lang="en-US" b="1" dirty="0">
+                  <a:solidFill>
+                    <a:srgbClr val="002060"/>
+                  </a:solidFill>
+                </a:endParaRPr>
+              </a:p>
+            </p:txBody>
+          </p:sp>
+        </mc:Choice>
+        <mc:Fallback xmlns="">
+          <p:sp>
+            <p:nvSpPr>
+              <p:cNvPr id="15" name="Rectangle 14"/>
+              <p:cNvSpPr>
+                <a:spLocks noRot="1" noChangeAspect="1" noMove="1" noResize="1" noEditPoints="1" noAdjustHandles="1" noChangeArrowheads="1" noChangeShapeType="1" noTextEdit="1"/>
+              </p:cNvSpPr>
+              <p:nvPr/>
+            </p:nvSpPr>
+            <p:spPr>
+              <a:xfrm>
+                <a:off x="612816" y="6346227"/>
+                <a:ext cx="2087110" cy="307777"/>
+              </a:xfrm>
+              <a:prstGeom prst="rect">
+                <a:avLst/>
+              </a:prstGeom>
+              <a:blipFill rotWithShape="0">
+                <a:blip r:embed="rId5"/>
+                <a:stretch>
+                  <a:fillRect t="-3922" b="-19608"/>
+                </a:stretch>
+              </a:blipFill>
+            </p:spPr>
+            <p:txBody>
+              <a:bodyPr/>
+              <a:lstStyle/>
+              <a:p>
+                <a:r>
+                  <a:rPr lang="en-US">
+                    <a:noFill/>
+                  </a:rPr>
+                  <a:t> </a:t>
+                </a:r>
+              </a:p>
+            </p:txBody>
+          </p:sp>
+        </mc:Fallback>
+      </mc:AlternateContent>
+      <mc:AlternateContent xmlns:mc="http://schemas.openxmlformats.org/markup-compatibility/2006" xmlns:a14="http://schemas.microsoft.com/office/drawing/2010/main">
+        <mc:Choice Requires="a14">
+          <p:sp>
+            <p:nvSpPr>
+              <p:cNvPr id="16" name="Rectangle 15"/>
+              <p:cNvSpPr/>
+              <p:nvPr/>
+            </p:nvSpPr>
+            <p:spPr>
+              <a:xfrm>
+                <a:off x="612816" y="6014076"/>
+                <a:ext cx="3373937" cy="307777"/>
+              </a:xfrm>
+              <a:prstGeom prst="rect">
+                <a:avLst/>
+              </a:prstGeom>
+            </p:spPr>
+            <p:txBody>
+              <a:bodyPr wrap="none">
+                <a:spAutoFit/>
+              </a:bodyPr>
+              <a:lstStyle/>
+              <a:p>
+                <a14:m>
+                  <m:oMath xmlns:m="http://schemas.openxmlformats.org/officeDocument/2006/math">
+                    <m:sSub>
+                      <m:sSubPr>
+                        <m:ctrlPr>
+                          <a:rPr lang="pt-BR" b="1" i="1" smtClean="0">
+                            <a:solidFill>
+                              <a:srgbClr val="002060"/>
+                            </a:solidFill>
+                            <a:latin typeface="Cambria Math" panose="02040503050406030204" pitchFamily="18" charset="0"/>
+                          </a:rPr>
+                        </m:ctrlPr>
+                      </m:sSubPr>
+                      <m:e>
+                        <m:r>
+                          <a:rPr lang="en-US" b="1" i="1">
+                            <a:solidFill>
+                              <a:srgbClr val="002060"/>
+                            </a:solidFill>
+                            <a:latin typeface="Cambria Math" panose="02040503050406030204" pitchFamily="18" charset="0"/>
+                          </a:rPr>
+                          <m:t>𝑳</m:t>
+                        </m:r>
+                      </m:e>
+                      <m:sub>
+                        <m:r>
+                          <a:rPr lang="en-US" b="1" i="1">
+                            <a:solidFill>
+                              <a:srgbClr val="002060"/>
+                            </a:solidFill>
+                            <a:latin typeface="Cambria Math" panose="02040503050406030204" pitchFamily="18" charset="0"/>
+                          </a:rPr>
+                          <m:t>𝑽𝑨𝑬</m:t>
+                        </m:r>
+                      </m:sub>
+                    </m:sSub>
+                  </m:oMath>
+                </a14:m>
+                <a:r>
+                  <a:rPr lang="en-US" b="1" dirty="0">
+                    <a:solidFill>
+                      <a:srgbClr val="002060"/>
+                    </a:solidFill>
+                    <a:latin typeface="Arial" panose="020B0604020202020204" pitchFamily="34" charset="0"/>
+                    <a:cs typeface="Arial" panose="020B0604020202020204" pitchFamily="34" charset="0"/>
+                  </a:rPr>
+                  <a:t> = </a:t>
+                </a:r>
+                <a14:m>
+                  <m:oMath xmlns:m="http://schemas.openxmlformats.org/officeDocument/2006/math">
+                    <m:sSub>
+                      <m:sSubPr>
+                        <m:ctrlPr>
+                          <a:rPr lang="pt-BR" b="1" i="1">
+                            <a:solidFill>
+                              <a:srgbClr val="002060"/>
+                            </a:solidFill>
+                            <a:latin typeface="Cambria Math" panose="02040503050406030204" pitchFamily="18" charset="0"/>
+                          </a:rPr>
+                        </m:ctrlPr>
+                      </m:sSubPr>
+                      <m:e>
+                        <m:r>
+                          <a:rPr lang="en-US" b="1" i="1">
+                            <a:solidFill>
+                              <a:srgbClr val="002060"/>
+                            </a:solidFill>
+                            <a:latin typeface="Cambria Math" panose="02040503050406030204" pitchFamily="18" charset="0"/>
+                          </a:rPr>
+                          <m:t>𝑳</m:t>
+                        </m:r>
+                      </m:e>
+                      <m:sub>
+                        <m:r>
+                          <a:rPr lang="en-US" b="1" i="1">
+                            <a:solidFill>
+                              <a:srgbClr val="002060"/>
+                            </a:solidFill>
+                            <a:latin typeface="Cambria Math" panose="02040503050406030204" pitchFamily="18" charset="0"/>
+                          </a:rPr>
+                          <m:t>𝑹𝑬𝑪</m:t>
+                        </m:r>
+                      </m:sub>
+                    </m:sSub>
+                  </m:oMath>
+                </a14:m>
+                <a:r>
+                  <a:rPr lang="en-US" b="1" dirty="0">
+                    <a:solidFill>
+                      <a:srgbClr val="002060"/>
+                    </a:solidFill>
+                    <a:latin typeface="Arial" panose="020B0604020202020204" pitchFamily="34" charset="0"/>
+                    <a:cs typeface="Arial" panose="020B0604020202020204" pitchFamily="34" charset="0"/>
+                  </a:rPr>
+                  <a:t>(</a:t>
+                </a:r>
+                <a:r>
+                  <a:rPr lang="el-GR" b="1" dirty="0">
+                    <a:solidFill>
+                      <a:srgbClr val="002060"/>
+                    </a:solidFill>
+                    <a:latin typeface="Arial" panose="020B0604020202020204" pitchFamily="34" charset="0"/>
+                    <a:cs typeface="Arial" panose="020B0604020202020204" pitchFamily="34" charset="0"/>
+                  </a:rPr>
+                  <a:t>φ</a:t>
+                </a:r>
+                <a:r>
+                  <a:rPr lang="en-US" b="1" dirty="0">
+                    <a:solidFill>
+                      <a:srgbClr val="002060"/>
+                    </a:solidFill>
+                    <a:latin typeface="Arial" panose="020B0604020202020204" pitchFamily="34" charset="0"/>
+                    <a:cs typeface="Arial" panose="020B0604020202020204" pitchFamily="34" charset="0"/>
+                  </a:rPr>
+                  <a:t>, </a:t>
+                </a:r>
+                <a:r>
+                  <a:rPr lang="el-GR" b="1" dirty="0">
+                    <a:solidFill>
+                      <a:srgbClr val="002060"/>
+                    </a:solidFill>
+                    <a:latin typeface="Arial" panose="020B0604020202020204" pitchFamily="34" charset="0"/>
+                    <a:cs typeface="Arial" panose="020B0604020202020204" pitchFamily="34" charset="0"/>
+                  </a:rPr>
+                  <a:t>θ</a:t>
+                </a:r>
+                <a:r>
+                  <a:rPr lang="en-US" b="1" dirty="0">
+                    <a:solidFill>
+                      <a:srgbClr val="002060"/>
+                    </a:solidFill>
+                    <a:latin typeface="Arial" panose="020B0604020202020204" pitchFamily="34" charset="0"/>
+                    <a:cs typeface="Arial" panose="020B0604020202020204" pitchFamily="34" charset="0"/>
+                  </a:rPr>
+                  <a:t>) + </a:t>
+                </a:r>
+                <a14:m>
+                  <m:oMath xmlns:m="http://schemas.openxmlformats.org/officeDocument/2006/math">
+                    <m:sSub>
+                      <m:sSubPr>
+                        <m:ctrlPr>
+                          <a:rPr lang="pt-BR" b="1" i="1">
+                            <a:solidFill>
+                              <a:srgbClr val="002060"/>
+                            </a:solidFill>
+                            <a:latin typeface="Cambria Math" panose="02040503050406030204" pitchFamily="18" charset="0"/>
+                          </a:rPr>
+                        </m:ctrlPr>
+                      </m:sSubPr>
+                      <m:e>
+                        <m:r>
+                          <m:rPr>
+                            <m:nor/>
+                          </m:rPr>
+                          <a:rPr lang="el-GR" b="1" dirty="0">
+                            <a:solidFill>
+                              <a:srgbClr val="002060"/>
+                            </a:solidFill>
+                            <a:latin typeface="Arial" panose="020B0604020202020204" pitchFamily="34" charset="0"/>
+                            <a:cs typeface="Arial" panose="020B0604020202020204" pitchFamily="34" charset="0"/>
+                          </a:rPr>
+                          <m:t>β</m:t>
+                        </m:r>
+                        <m:r>
+                          <a:rPr lang="en-US" b="1" i="1" dirty="0">
+                            <a:solidFill>
+                              <a:srgbClr val="002060"/>
+                            </a:solidFill>
+                            <a:latin typeface="Cambria Math" panose="02040503050406030204" pitchFamily="18" charset="0"/>
+                          </a:rPr>
+                          <m:t> </m:t>
+                        </m:r>
+                        <m:r>
+                          <a:rPr lang="en-US" b="1" i="1">
+                            <a:solidFill>
+                              <a:srgbClr val="002060"/>
+                            </a:solidFill>
+                            <a:latin typeface="Cambria Math" panose="02040503050406030204" pitchFamily="18" charset="0"/>
+                          </a:rPr>
+                          <m:t>𝑳</m:t>
+                        </m:r>
+                      </m:e>
+                      <m:sub>
+                        <m:r>
+                          <a:rPr lang="en-US" b="1" i="1">
+                            <a:solidFill>
+                              <a:srgbClr val="002060"/>
+                            </a:solidFill>
+                            <a:latin typeface="Cambria Math" panose="02040503050406030204" pitchFamily="18" charset="0"/>
+                          </a:rPr>
+                          <m:t>𝑲𝑳</m:t>
+                        </m:r>
+                      </m:sub>
+                    </m:sSub>
+                  </m:oMath>
+                </a14:m>
+                <a:r>
+                  <a:rPr lang="en-US" b="1" dirty="0">
+                    <a:solidFill>
+                      <a:srgbClr val="002060"/>
+                    </a:solidFill>
+                    <a:latin typeface="Arial" panose="020B0604020202020204" pitchFamily="34" charset="0"/>
+                    <a:cs typeface="Arial" panose="020B0604020202020204" pitchFamily="34" charset="0"/>
+                  </a:rPr>
+                  <a:t>(</a:t>
+                </a:r>
+                <a:r>
+                  <a:rPr lang="el-GR" b="1" dirty="0">
+                    <a:solidFill>
+                      <a:srgbClr val="002060"/>
+                    </a:solidFill>
+                    <a:latin typeface="Arial" panose="020B0604020202020204" pitchFamily="34" charset="0"/>
+                    <a:cs typeface="Arial" panose="020B0604020202020204" pitchFamily="34" charset="0"/>
+                  </a:rPr>
+                  <a:t>φ</a:t>
+                </a:r>
+                <a:r>
+                  <a:rPr lang="en-US" b="1" dirty="0">
+                    <a:solidFill>
+                      <a:srgbClr val="002060"/>
+                    </a:solidFill>
+                    <a:latin typeface="Arial" panose="020B0604020202020204" pitchFamily="34" charset="0"/>
+                    <a:cs typeface="Arial" panose="020B0604020202020204" pitchFamily="34" charset="0"/>
+                  </a:rPr>
+                  <a:t>, </a:t>
+                </a:r>
+                <a:r>
+                  <a:rPr lang="el-GR" b="1" dirty="0">
+                    <a:solidFill>
+                      <a:srgbClr val="002060"/>
+                    </a:solidFill>
+                    <a:latin typeface="Arial" panose="020B0604020202020204" pitchFamily="34" charset="0"/>
+                    <a:cs typeface="Arial" panose="020B0604020202020204" pitchFamily="34" charset="0"/>
+                  </a:rPr>
+                  <a:t>θ</a:t>
+                </a:r>
+                <a:r>
+                  <a:rPr lang="en-US" b="1" dirty="0">
+                    <a:solidFill>
+                      <a:srgbClr val="002060"/>
+                    </a:solidFill>
+                    <a:latin typeface="Arial" panose="020B0604020202020204" pitchFamily="34" charset="0"/>
+                    <a:cs typeface="Arial" panose="020B0604020202020204" pitchFamily="34" charset="0"/>
+                  </a:rPr>
+                  <a:t>) + </a:t>
+                </a:r>
+                <a:r>
+                  <a:rPr lang="el-GR" b="1" dirty="0">
+                    <a:solidFill>
+                      <a:srgbClr val="002060"/>
+                    </a:solidFill>
+                    <a:latin typeface="Arial" panose="020B0604020202020204" pitchFamily="34" charset="0"/>
+                    <a:cs typeface="Arial" panose="020B0604020202020204" pitchFamily="34" charset="0"/>
+                  </a:rPr>
+                  <a:t>γ</a:t>
+                </a:r>
+                <a:r>
+                  <a:rPr lang="en-US" b="1" dirty="0">
+                    <a:solidFill>
+                      <a:srgbClr val="002060"/>
+                    </a:solidFill>
+                    <a:latin typeface="Arial" panose="020B0604020202020204" pitchFamily="34" charset="0"/>
+                    <a:cs typeface="Arial" panose="020B0604020202020204" pitchFamily="34" charset="0"/>
+                  </a:rPr>
+                  <a:t> </a:t>
+                </a:r>
+                <a14:m>
+                  <m:oMath xmlns:m="http://schemas.openxmlformats.org/officeDocument/2006/math">
+                    <m:sSub>
+                      <m:sSubPr>
+                        <m:ctrlPr>
+                          <a:rPr lang="pt-BR" b="1" i="1">
+                            <a:solidFill>
+                              <a:srgbClr val="002060"/>
+                            </a:solidFill>
+                            <a:latin typeface="Cambria Math" panose="02040503050406030204" pitchFamily="18" charset="0"/>
+                          </a:rPr>
+                        </m:ctrlPr>
+                      </m:sSubPr>
+                      <m:e>
+                        <m:r>
+                          <a:rPr lang="en-US" b="1" i="1">
+                            <a:solidFill>
+                              <a:srgbClr val="002060"/>
+                            </a:solidFill>
+                            <a:latin typeface="Cambria Math" panose="02040503050406030204" pitchFamily="18" charset="0"/>
+                          </a:rPr>
+                          <m:t>𝑳</m:t>
+                        </m:r>
+                      </m:e>
+                      <m:sub>
+                        <m:r>
+                          <a:rPr lang="en-US" b="1" i="1">
+                            <a:solidFill>
+                              <a:srgbClr val="002060"/>
+                            </a:solidFill>
+                            <a:latin typeface="Cambria Math" panose="02040503050406030204" pitchFamily="18" charset="0"/>
+                          </a:rPr>
+                          <m:t>𝑹𝑬𝑮</m:t>
+                        </m:r>
+                      </m:sub>
+                    </m:sSub>
+                  </m:oMath>
+                </a14:m>
+                <a:endParaRPr lang="en-US" b="1" dirty="0"/>
+              </a:p>
+            </p:txBody>
+          </p:sp>
+        </mc:Choice>
+        <mc:Fallback xmlns="">
+          <p:sp>
+            <p:nvSpPr>
+              <p:cNvPr id="16" name="Rectangle 15"/>
+              <p:cNvSpPr>
+                <a:spLocks noRot="1" noChangeAspect="1" noMove="1" noResize="1" noEditPoints="1" noAdjustHandles="1" noChangeArrowheads="1" noChangeShapeType="1" noTextEdit="1"/>
+              </p:cNvSpPr>
+              <p:nvPr/>
+            </p:nvSpPr>
+            <p:spPr>
+              <a:xfrm>
+                <a:off x="612816" y="6014076"/>
+                <a:ext cx="3373937" cy="307777"/>
+              </a:xfrm>
+              <a:prstGeom prst="rect">
+                <a:avLst/>
+              </a:prstGeom>
+              <a:blipFill rotWithShape="0">
+                <a:blip r:embed="rId6"/>
+                <a:stretch>
+                  <a:fillRect t="-4000" b="-20000"/>
+                </a:stretch>
+              </a:blipFill>
+            </p:spPr>
+            <p:txBody>
+              <a:bodyPr/>
+              <a:lstStyle/>
+              <a:p>
+                <a:r>
+                  <a:rPr lang="en-US">
+                    <a:noFill/>
+                  </a:rPr>
+                  <a:t> </a:t>
+                </a:r>
+              </a:p>
+            </p:txBody>
+          </p:sp>
+        </mc:Fallback>
+      </mc:AlternateContent>
     </p:spTree>
     <p:extLst>
       <p:ext uri="{BB962C8B-B14F-4D97-AF65-F5344CB8AC3E}">
-        <p14:creationId xmlns:p14="http://schemas.microsoft.com/office/powerpoint/2010/main" val="2577566404"/>
+        <p14:creationId xmlns:p14="http://schemas.microsoft.com/office/powerpoint/2010/main" val="1614193090"/>
       </p:ext>
     </p:extLst>
   </p:cSld>
   <p:clrMapOvr>
     <a:masterClrMapping/>
   </p:clrMapOvr>
+  <p:timing>
+    <p:tnLst>
+      <p:par>
+        <p:cTn id="1" dur="indefinite" restart="never" nodeType="tmRoot"/>
+      </p:par>
+    </p:tnLst>
+  </p:timing>
 </p:sld>
 </file>
 
@@ -33300,15 +34246,49 @@
           <a:chExt cx="0" cy="0"/>
         </a:xfrm>
       </p:grpSpPr>
+      <p:sp>
+        <p:nvSpPr>
+          <p:cNvPr id="2" name="Title 1"/>
+          <p:cNvSpPr>
+            <a:spLocks noGrp="1"/>
+          </p:cNvSpPr>
+          <p:nvPr>
+            <p:ph type="title"/>
+          </p:nvPr>
+        </p:nvSpPr>
+        <p:spPr>
+          <a:xfrm>
+            <a:off x="45953" y="24032"/>
+            <a:ext cx="10515600" cy="1325563"/>
+          </a:xfrm>
+        </p:spPr>
+        <p:txBody>
+          <a:bodyPr/>
+          <a:lstStyle/>
+          <a:p>
+            <a:r>
+              <a:rPr lang="en-US" dirty="0" smtClean="0">
+                <a:solidFill>
+                  <a:srgbClr val="FF0000"/>
+                </a:solidFill>
+              </a:rPr>
+              <a:t>Grid Search (cont’d)</a:t>
+            </a:r>
+            <a:endParaRPr lang="en-US" dirty="0">
+              <a:solidFill>
+                <a:srgbClr val="FF0000"/>
+              </a:solidFill>
+            </a:endParaRPr>
+          </a:p>
+        </p:txBody>
+      </p:sp>
       <p:pic>
         <p:nvPicPr>
-          <p:cNvPr id="4" name="Content Placeholder 3"/>
+          <p:cNvPr id="4" name="Picture 3"/>
           <p:cNvPicPr>
-            <a:picLocks noGrp="1" noChangeAspect="1"/>
+            <a:picLocks noChangeAspect="1"/>
           </p:cNvPicPr>
-          <p:nvPr>
-            <p:ph idx="1"/>
-          </p:nvPr>
+          <p:nvPr/>
         </p:nvPicPr>
         <p:blipFill>
           <a:blip r:embed="rId2">
@@ -33324,9 +34304,12 @@
         </p:blipFill>
         <p:spPr>
           <a:xfrm>
-            <a:off x="2719340" y="0"/>
-            <a:ext cx="7837713" cy="6857998"/>
+            <a:off x="45953" y="1349595"/>
+            <a:ext cx="2843108" cy="2103120"/>
           </a:xfrm>
+          <a:prstGeom prst="rect">
+            <a:avLst/>
+          </a:prstGeom>
         </p:spPr>
       </p:pic>
       <p:sp>
@@ -33337,8 +34320,8 @@
         </p:nvSpPr>
         <p:spPr>
           <a:xfrm>
-            <a:off x="265044" y="1762539"/>
-            <a:ext cx="2332382" cy="646331"/>
+            <a:off x="690226" y="3536927"/>
+            <a:ext cx="2210973" cy="830997"/>
           </a:xfrm>
           <a:prstGeom prst="rect">
             <a:avLst/>
@@ -33352,23 +34335,688 @@
           <a:lstStyle/>
           <a:p>
             <a:r>
-              <a:rPr lang="en-US" dirty="0" smtClean="0"/>
-              <a:t>Gamma= 2</a:t>
+              <a:rPr lang="en-US" sz="1600" dirty="0" smtClean="0"/>
+              <a:t>Gamma: </a:t>
+            </a:r>
+            <a:r>
+              <a:rPr lang="en-US" sz="1600" b="1" dirty="0" smtClean="0">
+                <a:solidFill>
+                  <a:srgbClr val="FF0000"/>
+                </a:solidFill>
+              </a:rPr>
+              <a:t>0.08</a:t>
             </a:r>
           </a:p>
           <a:p>
             <a:r>
-              <a:rPr lang="en-US" dirty="0" smtClean="0"/>
-              <a:t>Latent dimension=30</a:t>
+              <a:rPr lang="en-US" sz="1600" dirty="0"/>
+              <a:t>H</a:t>
             </a:r>
-            <a:endParaRPr lang="en-US" dirty="0"/>
+            <a:r>
+              <a:rPr lang="en-US" sz="1600" dirty="0" smtClean="0"/>
+              <a:t>idden:15</a:t>
+            </a:r>
+          </a:p>
+          <a:p>
+            <a:r>
+              <a:rPr lang="en-US" sz="1600" dirty="0" smtClean="0"/>
+              <a:t>Latent dimension: 25</a:t>
+            </a:r>
+            <a:endParaRPr lang="en-US" sz="1600" dirty="0"/>
+          </a:p>
+        </p:txBody>
+      </p:sp>
+      <p:pic>
+        <p:nvPicPr>
+          <p:cNvPr id="7" name="Picture 6"/>
+          <p:cNvPicPr>
+            <a:picLocks noChangeAspect="1"/>
+          </p:cNvPicPr>
+          <p:nvPr/>
+        </p:nvPicPr>
+        <p:blipFill>
+          <a:blip r:embed="rId3">
+            <a:extLst>
+              <a:ext uri="{28A0092B-C50C-407E-A947-70E740481C1C}">
+                <a14:useLocalDpi xmlns:a14="http://schemas.microsoft.com/office/drawing/2010/main" val="0"/>
+              </a:ext>
+            </a:extLst>
+          </a:blip>
+          <a:stretch>
+            <a:fillRect/>
+          </a:stretch>
+        </p:blipFill>
+        <p:spPr>
+          <a:xfrm>
+            <a:off x="2889061" y="1349595"/>
+            <a:ext cx="2926079" cy="2194560"/>
+          </a:xfrm>
+          <a:prstGeom prst="rect">
+            <a:avLst/>
+          </a:prstGeom>
+        </p:spPr>
+      </p:pic>
+      <p:sp>
+        <p:nvSpPr>
+          <p:cNvPr id="8" name="TextBox 7"/>
+          <p:cNvSpPr txBox="1"/>
+          <p:nvPr/>
+        </p:nvSpPr>
+        <p:spPr>
+          <a:xfrm>
+            <a:off x="3556314" y="3604390"/>
+            <a:ext cx="2210973" cy="830997"/>
+          </a:xfrm>
+          <a:prstGeom prst="rect">
+            <a:avLst/>
+          </a:prstGeom>
+          <a:noFill/>
+        </p:spPr>
+        <p:txBody>
+          <a:bodyPr wrap="square" rtlCol="0">
+            <a:spAutoFit/>
+          </a:bodyPr>
+          <a:lstStyle/>
+          <a:p>
+            <a:r>
+              <a:rPr lang="en-US" sz="1600" dirty="0" smtClean="0"/>
+              <a:t>Gamma: </a:t>
+            </a:r>
+            <a:r>
+              <a:rPr lang="en-US" sz="1600" b="1" dirty="0" smtClean="0">
+                <a:solidFill>
+                  <a:srgbClr val="FF0000"/>
+                </a:solidFill>
+              </a:rPr>
+              <a:t>0.7</a:t>
+            </a:r>
+          </a:p>
+          <a:p>
+            <a:r>
+              <a:rPr lang="en-US" sz="1600" dirty="0"/>
+              <a:t>H</a:t>
+            </a:r>
+            <a:r>
+              <a:rPr lang="en-US" sz="1600" dirty="0" smtClean="0"/>
+              <a:t>idden:15</a:t>
+            </a:r>
+          </a:p>
+          <a:p>
+            <a:r>
+              <a:rPr lang="en-US" sz="1600" dirty="0" smtClean="0"/>
+              <a:t>Latent dimension: 25</a:t>
+            </a:r>
+            <a:endParaRPr lang="en-US" sz="1600" dirty="0"/>
+          </a:p>
+        </p:txBody>
+      </p:sp>
+      <p:pic>
+        <p:nvPicPr>
+          <p:cNvPr id="10" name="Picture 9"/>
+          <p:cNvPicPr>
+            <a:picLocks noChangeAspect="1"/>
+          </p:cNvPicPr>
+          <p:nvPr/>
+        </p:nvPicPr>
+        <p:blipFill>
+          <a:blip r:embed="rId4">
+            <a:extLst>
+              <a:ext uri="{28A0092B-C50C-407E-A947-70E740481C1C}">
+                <a14:useLocalDpi xmlns:a14="http://schemas.microsoft.com/office/drawing/2010/main" val="0"/>
+              </a:ext>
+            </a:extLst>
+          </a:blip>
+          <a:stretch>
+            <a:fillRect/>
+          </a:stretch>
+        </p:blipFill>
+        <p:spPr>
+          <a:xfrm>
+            <a:off x="5933552" y="1349595"/>
+            <a:ext cx="2797686" cy="2103120"/>
+          </a:xfrm>
+          <a:prstGeom prst="rect">
+            <a:avLst/>
+          </a:prstGeom>
+        </p:spPr>
+      </p:pic>
+      <p:sp>
+        <p:nvSpPr>
+          <p:cNvPr id="11" name="TextBox 10"/>
+          <p:cNvSpPr txBox="1"/>
+          <p:nvPr/>
+        </p:nvSpPr>
+        <p:spPr>
+          <a:xfrm>
+            <a:off x="6493869" y="3544155"/>
+            <a:ext cx="2210973" cy="830997"/>
+          </a:xfrm>
+          <a:prstGeom prst="rect">
+            <a:avLst/>
+          </a:prstGeom>
+          <a:noFill/>
+        </p:spPr>
+        <p:txBody>
+          <a:bodyPr wrap="square" rtlCol="0">
+            <a:spAutoFit/>
+          </a:bodyPr>
+          <a:lstStyle/>
+          <a:p>
+            <a:r>
+              <a:rPr lang="en-US" sz="1600" dirty="0" smtClean="0"/>
+              <a:t>Gamma: </a:t>
+            </a:r>
+            <a:r>
+              <a:rPr lang="en-US" sz="1600" b="1" dirty="0" smtClean="0">
+                <a:solidFill>
+                  <a:srgbClr val="FF0000"/>
+                </a:solidFill>
+              </a:rPr>
+              <a:t>0.08</a:t>
+            </a:r>
+          </a:p>
+          <a:p>
+            <a:r>
+              <a:rPr lang="en-US" sz="1600" dirty="0" smtClean="0"/>
+              <a:t>Delta: 1</a:t>
+            </a:r>
+          </a:p>
+          <a:p>
+            <a:r>
+              <a:rPr lang="en-US" sz="1600" dirty="0" smtClean="0"/>
+              <a:t>Latent dimension: 25</a:t>
+            </a:r>
+            <a:endParaRPr lang="en-US" sz="1600" dirty="0"/>
+          </a:p>
+        </p:txBody>
+      </p:sp>
+      <p:pic>
+        <p:nvPicPr>
+          <p:cNvPr id="13" name="Picture 12"/>
+          <p:cNvPicPr>
+            <a:picLocks noChangeAspect="1"/>
+          </p:cNvPicPr>
+          <p:nvPr/>
+        </p:nvPicPr>
+        <p:blipFill>
+          <a:blip r:embed="rId5">
+            <a:extLst>
+              <a:ext uri="{28A0092B-C50C-407E-A947-70E740481C1C}">
+                <a14:useLocalDpi xmlns:a14="http://schemas.microsoft.com/office/drawing/2010/main" val="0"/>
+              </a:ext>
+            </a:extLst>
+          </a:blip>
+          <a:stretch>
+            <a:fillRect/>
+          </a:stretch>
+        </p:blipFill>
+        <p:spPr>
+          <a:xfrm>
+            <a:off x="8849651" y="1349595"/>
+            <a:ext cx="2792747" cy="2103120"/>
+          </a:xfrm>
+          <a:prstGeom prst="rect">
+            <a:avLst/>
+          </a:prstGeom>
+        </p:spPr>
+      </p:pic>
+      <p:sp>
+        <p:nvSpPr>
+          <p:cNvPr id="14" name="TextBox 13"/>
+          <p:cNvSpPr txBox="1"/>
+          <p:nvPr/>
+        </p:nvSpPr>
+        <p:spPr>
+          <a:xfrm>
+            <a:off x="9431425" y="3629053"/>
+            <a:ext cx="2210973" cy="830997"/>
+          </a:xfrm>
+          <a:prstGeom prst="rect">
+            <a:avLst/>
+          </a:prstGeom>
+          <a:noFill/>
+        </p:spPr>
+        <p:txBody>
+          <a:bodyPr wrap="square" rtlCol="0">
+            <a:spAutoFit/>
+          </a:bodyPr>
+          <a:lstStyle/>
+          <a:p>
+            <a:r>
+              <a:rPr lang="en-US" sz="1600" dirty="0" smtClean="0"/>
+              <a:t>Gamma: </a:t>
+            </a:r>
+            <a:r>
+              <a:rPr lang="en-US" sz="1600" b="1" dirty="0" smtClean="0">
+                <a:solidFill>
+                  <a:srgbClr val="FF0000"/>
+                </a:solidFill>
+              </a:rPr>
+              <a:t>0.7</a:t>
+            </a:r>
+          </a:p>
+          <a:p>
+            <a:r>
+              <a:rPr lang="en-US" sz="1600" dirty="0" smtClean="0"/>
+              <a:t>Delta: 1</a:t>
+            </a:r>
+          </a:p>
+          <a:p>
+            <a:r>
+              <a:rPr lang="en-US" sz="1600" dirty="0" smtClean="0"/>
+              <a:t>Latent dimension: 25</a:t>
+            </a:r>
+            <a:endParaRPr lang="en-US" sz="1600" dirty="0"/>
+          </a:p>
+        </p:txBody>
+      </p:sp>
+      <p:pic>
+        <p:nvPicPr>
+          <p:cNvPr id="12" name="Picture 11"/>
+          <p:cNvPicPr>
+            <a:picLocks noChangeAspect="1"/>
+          </p:cNvPicPr>
+          <p:nvPr/>
+        </p:nvPicPr>
+        <p:blipFill>
+          <a:blip r:embed="rId6">
+            <a:extLst>
+              <a:ext uri="{28A0092B-C50C-407E-A947-70E740481C1C}">
+                <a14:useLocalDpi xmlns:a14="http://schemas.microsoft.com/office/drawing/2010/main" val="0"/>
+              </a:ext>
+            </a:extLst>
+          </a:blip>
+          <a:stretch>
+            <a:fillRect/>
+          </a:stretch>
+        </p:blipFill>
+        <p:spPr>
+          <a:xfrm>
+            <a:off x="68932" y="4595715"/>
+            <a:ext cx="2832267" cy="2103120"/>
+          </a:xfrm>
+          <a:prstGeom prst="rect">
+            <a:avLst/>
+          </a:prstGeom>
+        </p:spPr>
+      </p:pic>
+      <p:sp>
+        <p:nvSpPr>
+          <p:cNvPr id="15" name="TextBox 14"/>
+          <p:cNvSpPr txBox="1"/>
+          <p:nvPr/>
+        </p:nvSpPr>
+        <p:spPr>
+          <a:xfrm>
+            <a:off x="3455496" y="5374575"/>
+            <a:ext cx="2210973" cy="830997"/>
+          </a:xfrm>
+          <a:prstGeom prst="rect">
+            <a:avLst/>
+          </a:prstGeom>
+          <a:noFill/>
+        </p:spPr>
+        <p:txBody>
+          <a:bodyPr wrap="square" rtlCol="0">
+            <a:spAutoFit/>
+          </a:bodyPr>
+          <a:lstStyle/>
+          <a:p>
+            <a:r>
+              <a:rPr lang="en-US" sz="1600" dirty="0" smtClean="0"/>
+              <a:t>Gamma: </a:t>
+            </a:r>
+            <a:r>
+              <a:rPr lang="en-US" sz="1600" b="1" dirty="0" smtClean="0">
+                <a:solidFill>
+                  <a:srgbClr val="FF0000"/>
+                </a:solidFill>
+              </a:rPr>
+              <a:t>0.7</a:t>
+            </a:r>
+          </a:p>
+          <a:p>
+            <a:r>
+              <a:rPr lang="en-US" sz="1600" dirty="0" smtClean="0"/>
+              <a:t>Hidden: </a:t>
+            </a:r>
+            <a:r>
+              <a:rPr lang="en-US" sz="1600" b="1" dirty="0" smtClean="0"/>
+              <a:t>20</a:t>
+            </a:r>
+          </a:p>
+          <a:p>
+            <a:r>
+              <a:rPr lang="en-US" sz="1600" dirty="0" smtClean="0"/>
+              <a:t>Latent </a:t>
+            </a:r>
+            <a:r>
+              <a:rPr lang="en-US" sz="1600" dirty="0" smtClean="0"/>
+              <a:t>dimension: 25</a:t>
+            </a:r>
+            <a:endParaRPr lang="en-US" sz="1600" dirty="0"/>
           </a:p>
         </p:txBody>
       </p:sp>
     </p:spTree>
     <p:extLst>
       <p:ext uri="{BB962C8B-B14F-4D97-AF65-F5344CB8AC3E}">
-        <p14:creationId xmlns:p14="http://schemas.microsoft.com/office/powerpoint/2010/main" val="3432238002"/>
+        <p14:creationId xmlns:p14="http://schemas.microsoft.com/office/powerpoint/2010/main" val="2143735204"/>
+      </p:ext>
+    </p:extLst>
+  </p:cSld>
+  <p:clrMapOvr>
+    <a:masterClrMapping/>
+  </p:clrMapOvr>
+</p:sld>
+</file>
+
+<file path=ppt/slides/slide38.xml><?xml version="1.0" encoding="utf-8"?>
+<p:sld xmlns:a="http://schemas.openxmlformats.org/drawingml/2006/main" xmlns:r="http://schemas.openxmlformats.org/officeDocument/2006/relationships" xmlns:p="http://schemas.openxmlformats.org/presentationml/2006/main">
+  <p:cSld>
+    <p:spTree>
+      <p:nvGrpSpPr>
+        <p:cNvPr id="1" name=""/>
+        <p:cNvGrpSpPr/>
+        <p:nvPr/>
+      </p:nvGrpSpPr>
+      <p:grpSpPr>
+        <a:xfrm>
+          <a:off x="0" y="0"/>
+          <a:ext cx="0" cy="0"/>
+          <a:chOff x="0" y="0"/>
+          <a:chExt cx="0" cy="0"/>
+        </a:xfrm>
+      </p:grpSpPr>
+      <p:sp>
+        <p:nvSpPr>
+          <p:cNvPr id="2" name="Title 1"/>
+          <p:cNvSpPr>
+            <a:spLocks noGrp="1"/>
+          </p:cNvSpPr>
+          <p:nvPr>
+            <p:ph type="title"/>
+          </p:nvPr>
+        </p:nvSpPr>
+        <p:spPr/>
+        <p:txBody>
+          <a:bodyPr>
+            <a:normAutofit/>
+          </a:bodyPr>
+          <a:lstStyle/>
+          <a:p>
+            <a:r>
+              <a:rPr lang="en-US" sz="2400" dirty="0" smtClean="0">
+                <a:solidFill>
+                  <a:srgbClr val="FF0000"/>
+                </a:solidFill>
+              </a:rPr>
+              <a:t>Best model so far</a:t>
+            </a:r>
+            <a:endParaRPr lang="en-US" sz="2400" dirty="0">
+              <a:solidFill>
+                <a:srgbClr val="FF0000"/>
+              </a:solidFill>
+            </a:endParaRPr>
+          </a:p>
+        </p:txBody>
+      </p:sp>
+      <p:pic>
+        <p:nvPicPr>
+          <p:cNvPr id="4" name="Picture 3"/>
+          <p:cNvPicPr>
+            <a:picLocks noChangeAspect="1"/>
+          </p:cNvPicPr>
+          <p:nvPr/>
+        </p:nvPicPr>
+        <p:blipFill>
+          <a:blip r:embed="rId2">
+            <a:extLst>
+              <a:ext uri="{28A0092B-C50C-407E-A947-70E740481C1C}">
+                <a14:useLocalDpi xmlns:a14="http://schemas.microsoft.com/office/drawing/2010/main" val="0"/>
+              </a:ext>
+            </a:extLst>
+          </a:blip>
+          <a:stretch>
+            <a:fillRect/>
+          </a:stretch>
+        </p:blipFill>
+        <p:spPr>
+          <a:xfrm>
+            <a:off x="3591943" y="365125"/>
+            <a:ext cx="7315215" cy="6400813"/>
+          </a:xfrm>
+          <a:prstGeom prst="rect">
+            <a:avLst/>
+          </a:prstGeom>
+        </p:spPr>
+      </p:pic>
+      <p:sp>
+        <p:nvSpPr>
+          <p:cNvPr id="5" name="TextBox 4"/>
+          <p:cNvSpPr txBox="1"/>
+          <p:nvPr/>
+        </p:nvSpPr>
+        <p:spPr>
+          <a:xfrm>
+            <a:off x="838200" y="1690688"/>
+            <a:ext cx="2560320" cy="1323439"/>
+          </a:xfrm>
+          <a:prstGeom prst="rect">
+            <a:avLst/>
+          </a:prstGeom>
+          <a:noFill/>
+        </p:spPr>
+        <p:txBody>
+          <a:bodyPr wrap="square" rtlCol="0">
+            <a:spAutoFit/>
+          </a:bodyPr>
+          <a:lstStyle/>
+          <a:p>
+            <a:r>
+              <a:rPr lang="en-US" sz="2000" dirty="0" smtClean="0"/>
+              <a:t>Latent dimension: 25</a:t>
+            </a:r>
+          </a:p>
+          <a:p>
+            <a:r>
+              <a:rPr lang="en-US" sz="2000" dirty="0"/>
+              <a:t>H</a:t>
+            </a:r>
+            <a:r>
+              <a:rPr lang="en-US" sz="2000" dirty="0" smtClean="0"/>
+              <a:t>idden:15</a:t>
+            </a:r>
+          </a:p>
+          <a:p>
+            <a:r>
+              <a:rPr lang="en-US" sz="2000" dirty="0" smtClean="0"/>
+              <a:t>Delta: 1</a:t>
+            </a:r>
+          </a:p>
+          <a:p>
+            <a:r>
+              <a:rPr lang="en-US" sz="2000" dirty="0" smtClean="0"/>
+              <a:t>Gamma: </a:t>
+            </a:r>
+            <a:r>
+              <a:rPr lang="en-US" sz="2000" dirty="0" smtClean="0">
+                <a:solidFill>
+                  <a:srgbClr val="FF0000"/>
+                </a:solidFill>
+              </a:rPr>
+              <a:t>0.08</a:t>
+            </a:r>
+            <a:endParaRPr lang="en-US" sz="2000" dirty="0">
+              <a:solidFill>
+                <a:srgbClr val="FF0000"/>
+              </a:solidFill>
+            </a:endParaRPr>
+          </a:p>
+        </p:txBody>
+      </p:sp>
+    </p:spTree>
+    <p:extLst>
+      <p:ext uri="{BB962C8B-B14F-4D97-AF65-F5344CB8AC3E}">
+        <p14:creationId xmlns:p14="http://schemas.microsoft.com/office/powerpoint/2010/main" val="3057243290"/>
+      </p:ext>
+    </p:extLst>
+  </p:cSld>
+  <p:clrMapOvr>
+    <a:masterClrMapping/>
+  </p:clrMapOvr>
+</p:sld>
+</file>
+
+<file path=ppt/slides/slide39.xml><?xml version="1.0" encoding="utf-8"?>
+<p:sld xmlns:a="http://schemas.openxmlformats.org/drawingml/2006/main" xmlns:r="http://schemas.openxmlformats.org/officeDocument/2006/relationships" xmlns:p="http://schemas.openxmlformats.org/presentationml/2006/main">
+  <p:cSld>
+    <p:spTree>
+      <p:nvGrpSpPr>
+        <p:cNvPr id="1" name=""/>
+        <p:cNvGrpSpPr/>
+        <p:nvPr/>
+      </p:nvGrpSpPr>
+      <p:grpSpPr>
+        <a:xfrm>
+          <a:off x="0" y="0"/>
+          <a:ext cx="0" cy="0"/>
+          <a:chOff x="0" y="0"/>
+          <a:chExt cx="0" cy="0"/>
+        </a:xfrm>
+      </p:grpSpPr>
+      <p:pic>
+        <p:nvPicPr>
+          <p:cNvPr id="4" name="Picture 3"/>
+          <p:cNvPicPr>
+            <a:picLocks noChangeAspect="1"/>
+          </p:cNvPicPr>
+          <p:nvPr/>
+        </p:nvPicPr>
+        <p:blipFill>
+          <a:blip r:embed="rId2">
+            <a:extLst>
+              <a:ext uri="{28A0092B-C50C-407E-A947-70E740481C1C}">
+                <a14:useLocalDpi xmlns:a14="http://schemas.microsoft.com/office/drawing/2010/main" val="0"/>
+              </a:ext>
+            </a:extLst>
+          </a:blip>
+          <a:stretch>
+            <a:fillRect/>
+          </a:stretch>
+        </p:blipFill>
+        <p:spPr>
+          <a:xfrm>
+            <a:off x="3591943" y="365125"/>
+            <a:ext cx="7315215" cy="6400813"/>
+          </a:xfrm>
+          <a:prstGeom prst="rect">
+            <a:avLst/>
+          </a:prstGeom>
+        </p:spPr>
+      </p:pic>
+      <p:sp>
+        <p:nvSpPr>
+          <p:cNvPr id="5" name="TextBox 4"/>
+          <p:cNvSpPr txBox="1"/>
+          <p:nvPr/>
+        </p:nvSpPr>
+        <p:spPr>
+          <a:xfrm>
+            <a:off x="838200" y="1690688"/>
+            <a:ext cx="2560320" cy="1323439"/>
+          </a:xfrm>
+          <a:prstGeom prst="rect">
+            <a:avLst/>
+          </a:prstGeom>
+          <a:noFill/>
+        </p:spPr>
+        <p:txBody>
+          <a:bodyPr wrap="square" rtlCol="0">
+            <a:spAutoFit/>
+          </a:bodyPr>
+          <a:lstStyle/>
+          <a:p>
+            <a:r>
+              <a:rPr lang="en-US" sz="2000" dirty="0" smtClean="0"/>
+              <a:t>Latent dimension: 25</a:t>
+            </a:r>
+          </a:p>
+          <a:p>
+            <a:r>
+              <a:rPr lang="en-US" sz="2000" dirty="0" smtClean="0"/>
+              <a:t>Hidden:20</a:t>
+            </a:r>
+          </a:p>
+          <a:p>
+            <a:r>
+              <a:rPr lang="en-US" sz="2000" dirty="0" smtClean="0"/>
+              <a:t>Delta: 1</a:t>
+            </a:r>
+          </a:p>
+          <a:p>
+            <a:r>
+              <a:rPr lang="en-US" sz="2000" dirty="0" smtClean="0"/>
+              <a:t>Gamma: </a:t>
+            </a:r>
+            <a:r>
+              <a:rPr lang="en-US" sz="2000" dirty="0" smtClean="0">
+                <a:solidFill>
+                  <a:srgbClr val="FF0000"/>
+                </a:solidFill>
+              </a:rPr>
+              <a:t>0.7</a:t>
+            </a:r>
+            <a:endParaRPr lang="en-US" sz="2000" dirty="0">
+              <a:solidFill>
+                <a:srgbClr val="FF0000"/>
+              </a:solidFill>
+            </a:endParaRPr>
+          </a:p>
+        </p:txBody>
+      </p:sp>
+      <p:sp>
+        <p:nvSpPr>
+          <p:cNvPr id="6" name="Title 1"/>
+          <p:cNvSpPr>
+            <a:spLocks noGrp="1"/>
+          </p:cNvSpPr>
+          <p:nvPr>
+            <p:ph type="title"/>
+          </p:nvPr>
+        </p:nvSpPr>
+        <p:spPr>
+          <a:xfrm>
+            <a:off x="838200" y="365125"/>
+            <a:ext cx="10515600" cy="1325563"/>
+          </a:xfrm>
+        </p:spPr>
+        <p:txBody>
+          <a:bodyPr>
+            <a:normAutofit/>
+          </a:bodyPr>
+          <a:lstStyle/>
+          <a:p>
+            <a:r>
+              <a:rPr lang="en-US" sz="2400" dirty="0" smtClean="0">
+                <a:solidFill>
+                  <a:srgbClr val="FF0000"/>
+                </a:solidFill>
+              </a:rPr>
+              <a:t>Second model</a:t>
+            </a:r>
+            <a:endParaRPr lang="en-US" sz="2400" dirty="0">
+              <a:solidFill>
+                <a:srgbClr val="FF0000"/>
+              </a:solidFill>
+            </a:endParaRPr>
+          </a:p>
+        </p:txBody>
+      </p:sp>
+    </p:spTree>
+    <p:extLst>
+      <p:ext uri="{BB962C8B-B14F-4D97-AF65-F5344CB8AC3E}">
+        <p14:creationId xmlns:p14="http://schemas.microsoft.com/office/powerpoint/2010/main" val="2918891386"/>
       </p:ext>
     </p:extLst>
   </p:cSld>
@@ -33755,6 +35403,202 @@
         </p:txBody>
       </p:sp>
     </p:spTree>
+  </p:cSld>
+  <p:clrMapOvr>
+    <a:masterClrMapping/>
+  </p:clrMapOvr>
+</p:sld>
+</file>
+
+<file path=ppt/slides/slide40.xml><?xml version="1.0" encoding="utf-8"?>
+<p:sld xmlns:a="http://schemas.openxmlformats.org/drawingml/2006/main" xmlns:r="http://schemas.openxmlformats.org/officeDocument/2006/relationships" xmlns:p="http://schemas.openxmlformats.org/presentationml/2006/main">
+  <p:cSld>
+    <p:spTree>
+      <p:nvGrpSpPr>
+        <p:cNvPr id="1" name=""/>
+        <p:cNvGrpSpPr/>
+        <p:nvPr/>
+      </p:nvGrpSpPr>
+      <p:grpSpPr>
+        <a:xfrm>
+          <a:off x="0" y="0"/>
+          <a:ext cx="0" cy="0"/>
+          <a:chOff x="0" y="0"/>
+          <a:chExt cx="0" cy="0"/>
+        </a:xfrm>
+      </p:grpSpPr>
+      <p:pic>
+        <p:nvPicPr>
+          <p:cNvPr id="4" name="Content Placeholder 3"/>
+          <p:cNvPicPr>
+            <a:picLocks noGrp="1" noChangeAspect="1"/>
+          </p:cNvPicPr>
+          <p:nvPr>
+            <p:ph idx="1"/>
+          </p:nvPr>
+        </p:nvPicPr>
+        <p:blipFill>
+          <a:blip r:embed="rId2">
+            <a:extLst>
+              <a:ext uri="{28A0092B-C50C-407E-A947-70E740481C1C}">
+                <a14:useLocalDpi xmlns:a14="http://schemas.microsoft.com/office/drawing/2010/main" val="0"/>
+              </a:ext>
+            </a:extLst>
+          </a:blip>
+          <a:stretch>
+            <a:fillRect/>
+          </a:stretch>
+        </p:blipFill>
+        <p:spPr>
+          <a:xfrm>
+            <a:off x="2849217" y="1"/>
+            <a:ext cx="7893365" cy="6906694"/>
+          </a:xfrm>
+        </p:spPr>
+      </p:pic>
+      <p:sp>
+        <p:nvSpPr>
+          <p:cNvPr id="5" name="TextBox 4"/>
+          <p:cNvSpPr txBox="1"/>
+          <p:nvPr/>
+        </p:nvSpPr>
+        <p:spPr>
+          <a:xfrm>
+            <a:off x="265044" y="1762539"/>
+            <a:ext cx="2332382" cy="523220"/>
+          </a:xfrm>
+          <a:prstGeom prst="rect">
+            <a:avLst/>
+          </a:prstGeom>
+          <a:noFill/>
+        </p:spPr>
+        <p:txBody>
+          <a:bodyPr wrap="square" rtlCol="0">
+            <a:spAutoFit/>
+          </a:bodyPr>
+          <a:lstStyle/>
+          <a:p>
+            <a:r>
+              <a:rPr lang="en-US" dirty="0" smtClean="0"/>
+              <a:t>Gamma= 0.01</a:t>
+            </a:r>
+          </a:p>
+          <a:p>
+            <a:r>
+              <a:rPr lang="en-US" dirty="0" smtClean="0"/>
+              <a:t>Latent dimension=30</a:t>
+            </a:r>
+          </a:p>
+        </p:txBody>
+      </p:sp>
+    </p:spTree>
+    <p:extLst>
+      <p:ext uri="{BB962C8B-B14F-4D97-AF65-F5344CB8AC3E}">
+        <p14:creationId xmlns:p14="http://schemas.microsoft.com/office/powerpoint/2010/main" val="2577566404"/>
+      </p:ext>
+    </p:extLst>
+  </p:cSld>
+  <p:clrMapOvr>
+    <a:masterClrMapping/>
+  </p:clrMapOvr>
+  <p:timing>
+    <p:tnLst>
+      <p:par>
+        <p:cTn id="1" dur="indefinite" restart="never" nodeType="tmRoot"/>
+      </p:par>
+    </p:tnLst>
+  </p:timing>
+</p:sld>
+</file>
+
+<file path=ppt/slides/slide41.xml><?xml version="1.0" encoding="utf-8"?>
+<p:sld xmlns:a="http://schemas.openxmlformats.org/drawingml/2006/main" xmlns:r="http://schemas.openxmlformats.org/officeDocument/2006/relationships" xmlns:p="http://schemas.openxmlformats.org/presentationml/2006/main">
+  <p:cSld>
+    <p:spTree>
+      <p:nvGrpSpPr>
+        <p:cNvPr id="1" name=""/>
+        <p:cNvGrpSpPr/>
+        <p:nvPr/>
+      </p:nvGrpSpPr>
+      <p:grpSpPr>
+        <a:xfrm>
+          <a:off x="0" y="0"/>
+          <a:ext cx="0" cy="0"/>
+          <a:chOff x="0" y="0"/>
+          <a:chExt cx="0" cy="0"/>
+        </a:xfrm>
+      </p:grpSpPr>
+      <p:pic>
+        <p:nvPicPr>
+          <p:cNvPr id="4" name="Content Placeholder 3"/>
+          <p:cNvPicPr>
+            <a:picLocks noGrp="1" noChangeAspect="1"/>
+          </p:cNvPicPr>
+          <p:nvPr>
+            <p:ph idx="1"/>
+          </p:nvPr>
+        </p:nvPicPr>
+        <p:blipFill>
+          <a:blip r:embed="rId2">
+            <a:extLst>
+              <a:ext uri="{28A0092B-C50C-407E-A947-70E740481C1C}">
+                <a14:useLocalDpi xmlns:a14="http://schemas.microsoft.com/office/drawing/2010/main" val="0"/>
+              </a:ext>
+            </a:extLst>
+          </a:blip>
+          <a:stretch>
+            <a:fillRect/>
+          </a:stretch>
+        </p:blipFill>
+        <p:spPr>
+          <a:xfrm>
+            <a:off x="2719340" y="0"/>
+            <a:ext cx="7837713" cy="6857998"/>
+          </a:xfrm>
+        </p:spPr>
+      </p:pic>
+      <p:sp>
+        <p:nvSpPr>
+          <p:cNvPr id="5" name="TextBox 4"/>
+          <p:cNvSpPr txBox="1"/>
+          <p:nvPr/>
+        </p:nvSpPr>
+        <p:spPr>
+          <a:xfrm>
+            <a:off x="265044" y="1762539"/>
+            <a:ext cx="2332382" cy="646331"/>
+          </a:xfrm>
+          <a:prstGeom prst="rect">
+            <a:avLst/>
+          </a:prstGeom>
+          <a:noFill/>
+        </p:spPr>
+        <p:txBody>
+          <a:bodyPr wrap="square" rtlCol="0">
+            <a:spAutoFit/>
+          </a:bodyPr>
+          <a:lstStyle/>
+          <a:p>
+            <a:r>
+              <a:rPr lang="en-US" dirty="0" smtClean="0"/>
+              <a:t>Gamma= 2</a:t>
+            </a:r>
+          </a:p>
+          <a:p>
+            <a:r>
+              <a:rPr lang="en-US" dirty="0" smtClean="0"/>
+              <a:t>Latent dimension=30</a:t>
+            </a:r>
+            <a:endParaRPr lang="en-US" dirty="0"/>
+          </a:p>
+        </p:txBody>
+      </p:sp>
+    </p:spTree>
+    <p:extLst>
+      <p:ext uri="{BB962C8B-B14F-4D97-AF65-F5344CB8AC3E}">
+        <p14:creationId xmlns:p14="http://schemas.microsoft.com/office/powerpoint/2010/main" val="3432238002"/>
+      </p:ext>
+    </p:extLst>
   </p:cSld>
   <p:clrMapOvr>
     <a:masterClrMapping/>

--- a/clustering/GMM Model.pptx
+++ b/clustering/GMM Model.pptx
@@ -5,7 +5,7 @@
     <p:sldMasterId id="2147483648" r:id="rId1"/>
   </p:sldMasterIdLst>
   <p:notesMasterIdLst>
-    <p:notesMasterId r:id="rId43"/>
+    <p:notesMasterId r:id="rId46"/>
   </p:notesMasterIdLst>
   <p:sldIdLst>
     <p:sldId id="256" r:id="rId2"/>
@@ -49,27 +49,30 @@
     <p:sldId id="297" r:id="rId40"/>
     <p:sldId id="292" r:id="rId41"/>
     <p:sldId id="293" r:id="rId42"/>
+    <p:sldId id="298" r:id="rId43"/>
+    <p:sldId id="299" r:id="rId44"/>
+    <p:sldId id="300" r:id="rId45"/>
   </p:sldIdLst>
   <p:sldSz cx="12192000" cy="6858000"/>
   <p:notesSz cx="6858000" cy="9144000"/>
   <p:embeddedFontLst>
     <p:embeddedFont>
       <p:font typeface="Roboto" panose="020B0604020202020204" charset="0"/>
-      <p:regular r:id="rId44"/>
-      <p:bold r:id="rId45"/>
-      <p:italic r:id="rId46"/>
-      <p:boldItalic r:id="rId47"/>
+      <p:regular r:id="rId47"/>
+      <p:bold r:id="rId48"/>
+      <p:italic r:id="rId49"/>
+      <p:boldItalic r:id="rId50"/>
     </p:embeddedFont>
     <p:embeddedFont>
       <p:font typeface="Calibri" panose="020F0502020204030204" pitchFamily="34" charset="0"/>
-      <p:regular r:id="rId48"/>
-      <p:bold r:id="rId49"/>
-      <p:italic r:id="rId50"/>
-      <p:boldItalic r:id="rId51"/>
+      <p:regular r:id="rId51"/>
+      <p:bold r:id="rId52"/>
+      <p:italic r:id="rId53"/>
+      <p:boldItalic r:id="rId54"/>
     </p:embeddedFont>
     <p:embeddedFont>
       <p:font typeface="Cambria Math" panose="02040503050406030204" pitchFamily="18" charset="0"/>
-      <p:regular r:id="rId52"/>
+      <p:regular r:id="rId55"/>
     </p:embeddedFont>
   </p:embeddedFontLst>
   <p:defaultTextStyle>
@@ -306,7 +309,7 @@
       <p15:sldGuideLst xmlns:p15="http://schemas.microsoft.com/office/powerpoint/2012/main"/>
     </p:ext>
     <p:ext uri="GoogleSlidesCustomDataVersion2">
-      <go:slidesCustomData xmlns="" xmlns:mc="http://schemas.openxmlformats.org/markup-compatibility/2006" xmlns:mv="urn:schemas-microsoft-com:mac:vml" xmlns:c="http://schemas.openxmlformats.org/drawingml/2006/chart" xmlns:dgm="http://schemas.openxmlformats.org/drawingml/2006/diagram" xmlns:o="urn:schemas-microsoft-com:office:office" xmlns:v="urn:schemas-microsoft-com:vml" xmlns:pvml="urn:schemas-microsoft-com:office:powerpoint" xmlns:com="http://schemas.openxmlformats.org/drawingml/2006/compatibility" xmlns:p14="http://schemas.microsoft.com/office/powerpoint/2010/main" xmlns:p15="http://schemas.microsoft.com/office/powerpoint/2012/main" xmlns:ahyp="http://schemas.microsoft.com/office/drawing/2018/hyperlinkcolor" xmlns:go="http://customooxmlschemas.google.com/" r:id="rId53" roundtripDataSignature="AMtx7mgqc5SpI14FSepuilGsu99Te6qk1g=="/>
+      <go:slidesCustomData xmlns:go="http://customooxmlschemas.google.com/" xmlns:ahyp="http://schemas.microsoft.com/office/drawing/2018/hyperlinkcolor" xmlns:p15="http://schemas.microsoft.com/office/powerpoint/2012/main" xmlns:p14="http://schemas.microsoft.com/office/powerpoint/2010/main" xmlns:com="http://schemas.openxmlformats.org/drawingml/2006/compatibility" xmlns:pvml="urn:schemas-microsoft-com:office:powerpoint" xmlns:v="urn:schemas-microsoft-com:vml" xmlns:o="urn:schemas-microsoft-com:office:office" xmlns:dgm="http://schemas.openxmlformats.org/drawingml/2006/diagram" xmlns:c="http://schemas.openxmlformats.org/drawingml/2006/chart" xmlns:mv="urn:schemas-microsoft-com:mac:vml" xmlns:mc="http://schemas.openxmlformats.org/markup-compatibility/2006" xmlns="" r:id="rId56" roundtripDataSignature="AMtx7mgqc5SpI14FSepuilGsu99Te6qk1g=="/>
     </p:ext>
   </p:extLst>
 </p:presentation>
@@ -1056,11 +1059,11 @@
           <c:showBubbleSize val="0"/>
         </c:dLbls>
         <c:smooth val="0"/>
-        <c:axId val="219133752"/>
-        <c:axId val="206903800"/>
+        <c:axId val="214861416"/>
+        <c:axId val="214861800"/>
       </c:lineChart>
       <c:catAx>
-        <c:axId val="219133752"/>
+        <c:axId val="214861416"/>
         <c:scaling>
           <c:orientation val="minMax"/>
         </c:scaling>
@@ -1070,7 +1073,7 @@
         <c:majorTickMark val="none"/>
         <c:minorTickMark val="none"/>
         <c:tickLblPos val="nextTo"/>
-        <c:crossAx val="206903800"/>
+        <c:crossAx val="214861800"/>
         <c:crosses val="autoZero"/>
         <c:auto val="1"/>
         <c:lblAlgn val="ctr"/>
@@ -1078,7 +1081,7 @@
         <c:noMultiLvlLbl val="0"/>
       </c:catAx>
       <c:valAx>
-        <c:axId val="206903800"/>
+        <c:axId val="214861800"/>
         <c:scaling>
           <c:orientation val="minMax"/>
         </c:scaling>
@@ -1102,7 +1105,7 @@
         <c:majorTickMark val="none"/>
         <c:minorTickMark val="none"/>
         <c:tickLblPos val="nextTo"/>
-        <c:crossAx val="219133752"/>
+        <c:crossAx val="214861416"/>
         <c:crosses val="autoZero"/>
         <c:crossBetween val="between"/>
       </c:valAx>
@@ -1885,11 +1888,11 @@
           <c:showBubbleSize val="0"/>
         </c:dLbls>
         <c:smooth val="0"/>
-        <c:axId val="220911128"/>
-        <c:axId val="260723704"/>
+        <c:axId val="266349144"/>
+        <c:axId val="266349528"/>
       </c:lineChart>
       <c:catAx>
-        <c:axId val="220911128"/>
+        <c:axId val="266349144"/>
         <c:scaling>
           <c:orientation val="minMax"/>
         </c:scaling>
@@ -1899,7 +1902,7 @@
         <c:majorTickMark val="none"/>
         <c:minorTickMark val="none"/>
         <c:tickLblPos val="nextTo"/>
-        <c:crossAx val="260723704"/>
+        <c:crossAx val="266349528"/>
         <c:crosses val="autoZero"/>
         <c:auto val="1"/>
         <c:lblAlgn val="ctr"/>
@@ -1907,7 +1910,7 @@
         <c:noMultiLvlLbl val="0"/>
       </c:catAx>
       <c:valAx>
-        <c:axId val="260723704"/>
+        <c:axId val="266349528"/>
         <c:scaling>
           <c:orientation val="minMax"/>
         </c:scaling>
@@ -1931,7 +1934,7 @@
         <c:majorTickMark val="none"/>
         <c:minorTickMark val="none"/>
         <c:tickLblPos val="nextTo"/>
-        <c:crossAx val="220911128"/>
+        <c:crossAx val="266349144"/>
         <c:crosses val="autoZero"/>
         <c:crossBetween val="between"/>
       </c:valAx>
@@ -2714,11 +2717,11 @@
           <c:showBubbleSize val="0"/>
         </c:dLbls>
         <c:smooth val="0"/>
-        <c:axId val="260859720"/>
-        <c:axId val="260860104"/>
+        <c:axId val="266390288"/>
+        <c:axId val="228336464"/>
       </c:lineChart>
       <c:catAx>
-        <c:axId val="260859720"/>
+        <c:axId val="266390288"/>
         <c:scaling>
           <c:orientation val="minMax"/>
         </c:scaling>
@@ -2728,7 +2731,7 @@
         <c:majorTickMark val="none"/>
         <c:minorTickMark val="none"/>
         <c:tickLblPos val="nextTo"/>
-        <c:crossAx val="260860104"/>
+        <c:crossAx val="228336464"/>
         <c:crosses val="autoZero"/>
         <c:auto val="1"/>
         <c:lblAlgn val="ctr"/>
@@ -2736,7 +2739,7 @@
         <c:noMultiLvlLbl val="0"/>
       </c:catAx>
       <c:valAx>
-        <c:axId val="260860104"/>
+        <c:axId val="228336464"/>
         <c:scaling>
           <c:orientation val="minMax"/>
         </c:scaling>
@@ -2760,7 +2763,7 @@
         <c:majorTickMark val="none"/>
         <c:minorTickMark val="none"/>
         <c:tickLblPos val="nextTo"/>
-        <c:crossAx val="260859720"/>
+        <c:crossAx val="266390288"/>
         <c:crosses val="autoZero"/>
         <c:crossBetween val="between"/>
       </c:valAx>
@@ -3543,11 +3546,11 @@
           <c:showBubbleSize val="0"/>
         </c:dLbls>
         <c:smooth val="0"/>
-        <c:axId val="218193896"/>
-        <c:axId val="218191936"/>
+        <c:axId val="266475256"/>
+        <c:axId val="266476040"/>
       </c:lineChart>
       <c:catAx>
-        <c:axId val="218193896"/>
+        <c:axId val="266475256"/>
         <c:scaling>
           <c:orientation val="minMax"/>
         </c:scaling>
@@ -3557,7 +3560,7 @@
         <c:majorTickMark val="none"/>
         <c:minorTickMark val="none"/>
         <c:tickLblPos val="nextTo"/>
-        <c:crossAx val="218191936"/>
+        <c:crossAx val="266476040"/>
         <c:crosses val="autoZero"/>
         <c:auto val="1"/>
         <c:lblAlgn val="ctr"/>
@@ -3565,7 +3568,7 @@
         <c:noMultiLvlLbl val="0"/>
       </c:catAx>
       <c:valAx>
-        <c:axId val="218191936"/>
+        <c:axId val="266476040"/>
         <c:scaling>
           <c:orientation val="minMax"/>
         </c:scaling>
@@ -3589,7 +3592,7 @@
         <c:majorTickMark val="none"/>
         <c:minorTickMark val="none"/>
         <c:tickLblPos val="nextTo"/>
-        <c:crossAx val="218193896"/>
+        <c:crossAx val="266475256"/>
         <c:crosses val="autoZero"/>
         <c:crossBetween val="between"/>
       </c:valAx>
@@ -4372,11 +4375,11 @@
           <c:showBubbleSize val="0"/>
         </c:dLbls>
         <c:smooth val="0"/>
-        <c:axId val="218194680"/>
-        <c:axId val="218195072"/>
+        <c:axId val="266472120"/>
+        <c:axId val="266474864"/>
       </c:lineChart>
       <c:catAx>
-        <c:axId val="218194680"/>
+        <c:axId val="266472120"/>
         <c:scaling>
           <c:orientation val="minMax"/>
         </c:scaling>
@@ -4386,7 +4389,7 @@
         <c:majorTickMark val="none"/>
         <c:minorTickMark val="none"/>
         <c:tickLblPos val="nextTo"/>
-        <c:crossAx val="218195072"/>
+        <c:crossAx val="266474864"/>
         <c:crosses val="autoZero"/>
         <c:auto val="1"/>
         <c:lblAlgn val="ctr"/>
@@ -4394,7 +4397,7 @@
         <c:noMultiLvlLbl val="0"/>
       </c:catAx>
       <c:valAx>
-        <c:axId val="218195072"/>
+        <c:axId val="266474864"/>
         <c:scaling>
           <c:orientation val="minMax"/>
         </c:scaling>
@@ -4418,7 +4421,7 @@
         <c:majorTickMark val="none"/>
         <c:minorTickMark val="none"/>
         <c:tickLblPos val="nextTo"/>
-        <c:crossAx val="218194680"/>
+        <c:crossAx val="266472120"/>
         <c:crosses val="autoZero"/>
         <c:crossBetween val="between"/>
       </c:valAx>
@@ -25355,7 +25358,7 @@
                 <a:hlinkClick r:id="rId8">
                   <a:extLst>
                     <a:ext uri="{A12FA001-AC4F-418D-AE19-62706E023703}">
-                      <ahyp:hlinkClr xmlns="" xmlns:mc="http://schemas.openxmlformats.org/markup-compatibility/2006" xmlns:mv="urn:schemas-microsoft-com:mac:vml" xmlns:c="http://schemas.openxmlformats.org/drawingml/2006/chart" xmlns:dgm="http://schemas.openxmlformats.org/drawingml/2006/diagram" xmlns:o="urn:schemas-microsoft-com:office:office" xmlns:v="urn:schemas-microsoft-com:vml" xmlns:pvml="urn:schemas-microsoft-com:office:powerpoint" xmlns:com="http://schemas.openxmlformats.org/drawingml/2006/compatibility" xmlns:p14="http://schemas.microsoft.com/office/powerpoint/2010/main" xmlns:p15="http://schemas.microsoft.com/office/powerpoint/2012/main" xmlns:ahyp="http://schemas.microsoft.com/office/drawing/2018/hyperlinkcolor" val="tx"/>
+                      <ahyp:hlinkClr xmlns:ahyp="http://schemas.microsoft.com/office/drawing/2018/hyperlinkcolor" xmlns:p15="http://schemas.microsoft.com/office/powerpoint/2012/main" xmlns:p14="http://schemas.microsoft.com/office/powerpoint/2010/main" xmlns:com="http://schemas.openxmlformats.org/drawingml/2006/compatibility" xmlns:pvml="urn:schemas-microsoft-com:office:powerpoint" xmlns:v="urn:schemas-microsoft-com:vml" xmlns:o="urn:schemas-microsoft-com:office:office" xmlns:dgm="http://schemas.openxmlformats.org/drawingml/2006/diagram" xmlns:c="http://schemas.openxmlformats.org/drawingml/2006/chart" xmlns:mv="urn:schemas-microsoft-com:mac:vml" xmlns:mc="http://schemas.openxmlformats.org/markup-compatibility/2006" xmlns="" val="tx"/>
                     </a:ext>
                   </a:extLst>
                 </a:hlinkClick>
@@ -34688,11 +34691,7 @@
           <a:p>
             <a:r>
               <a:rPr lang="en-US" sz="1600" dirty="0" smtClean="0"/>
-              <a:t>Latent </a:t>
-            </a:r>
-            <a:r>
-              <a:rPr lang="en-US" sz="1600" dirty="0" smtClean="0"/>
-              <a:t>dimension: 25</a:t>
+              <a:t>Latent dimension: 25</a:t>
             </a:r>
             <a:endParaRPr lang="en-US" sz="1600" dirty="0"/>
           </a:p>
@@ -35597,6 +35596,668 @@
     <p:extLst>
       <p:ext uri="{BB962C8B-B14F-4D97-AF65-F5344CB8AC3E}">
         <p14:creationId xmlns:p14="http://schemas.microsoft.com/office/powerpoint/2010/main" val="3432238002"/>
+      </p:ext>
+    </p:extLst>
+  </p:cSld>
+  <p:clrMapOvr>
+    <a:masterClrMapping/>
+  </p:clrMapOvr>
+</p:sld>
+</file>
+
+<file path=ppt/slides/slide42.xml><?xml version="1.0" encoding="utf-8"?>
+<p:sld xmlns:a="http://schemas.openxmlformats.org/drawingml/2006/main" xmlns:r="http://schemas.openxmlformats.org/officeDocument/2006/relationships" xmlns:p="http://schemas.openxmlformats.org/presentationml/2006/main">
+  <p:cSld>
+    <p:spTree>
+      <p:nvGrpSpPr>
+        <p:cNvPr id="1" name=""/>
+        <p:cNvGrpSpPr/>
+        <p:nvPr/>
+      </p:nvGrpSpPr>
+      <p:grpSpPr>
+        <a:xfrm>
+          <a:off x="0" y="0"/>
+          <a:ext cx="0" cy="0"/>
+          <a:chOff x="0" y="0"/>
+          <a:chExt cx="0" cy="0"/>
+        </a:xfrm>
+      </p:grpSpPr>
+      <p:sp>
+        <p:nvSpPr>
+          <p:cNvPr id="4" name="Google Shape;287;g2bcc03a7b9e_0_0"/>
+          <p:cNvSpPr txBox="1">
+            <a:spLocks/>
+          </p:cNvSpPr>
+          <p:nvPr/>
+        </p:nvSpPr>
+        <p:spPr>
+          <a:xfrm>
+            <a:off x="472675" y="4873300"/>
+            <a:ext cx="10515600" cy="1325700"/>
+          </a:xfrm>
+          <a:prstGeom prst="rect">
+            <a:avLst/>
+          </a:prstGeom>
+          <a:noFill/>
+          <a:ln>
+            <a:noFill/>
+          </a:ln>
+        </p:spPr>
+        <p:txBody>
+          <a:bodyPr spcFirstLastPara="1" wrap="square" lIns="91425" tIns="45700" rIns="91425" bIns="45700" anchor="ctr" anchorCtr="0">
+            <a:normAutofit/>
+          </a:bodyPr>
+          <a:lstStyle>
+            <a:defPPr marR="0" lvl="0" algn="l" rtl="0">
+              <a:lnSpc>
+                <a:spcPct val="100000"/>
+              </a:lnSpc>
+              <a:spcBef>
+                <a:spcPts val="0"/>
+              </a:spcBef>
+              <a:spcAft>
+                <a:spcPts val="0"/>
+              </a:spcAft>
+            </a:defPPr>
+            <a:lvl1pPr marR="0" lvl="0" algn="l" rtl="0">
+              <a:lnSpc>
+                <a:spcPct val="90000"/>
+              </a:lnSpc>
+              <a:spcBef>
+                <a:spcPts val="0"/>
+              </a:spcBef>
+              <a:spcAft>
+                <a:spcPts val="0"/>
+              </a:spcAft>
+              <a:buClr>
+                <a:schemeClr val="dk1"/>
+              </a:buClr>
+              <a:buSzPts val="1800"/>
+              <a:buFont typeface="Calibri"/>
+              <a:buNone/>
+              <a:defRPr sz="4400" b="0" i="0" u="none" strike="noStrike" cap="none">
+                <a:solidFill>
+                  <a:schemeClr val="dk1"/>
+                </a:solidFill>
+                <a:latin typeface="Calibri"/>
+                <a:ea typeface="Calibri"/>
+                <a:cs typeface="Calibri"/>
+                <a:sym typeface="Calibri"/>
+              </a:defRPr>
+            </a:lvl1pPr>
+            <a:lvl2pPr marR="0" lvl="1" algn="l" rtl="0">
+              <a:lnSpc>
+                <a:spcPct val="100000"/>
+              </a:lnSpc>
+              <a:spcBef>
+                <a:spcPts val="0"/>
+              </a:spcBef>
+              <a:spcAft>
+                <a:spcPts val="0"/>
+              </a:spcAft>
+              <a:buClr>
+                <a:srgbClr val="000000"/>
+              </a:buClr>
+              <a:buSzPts val="1400"/>
+              <a:buFont typeface="Arial"/>
+              <a:buNone/>
+              <a:defRPr sz="1800" b="0" i="0" u="none" strike="noStrike" cap="none">
+                <a:solidFill>
+                  <a:srgbClr val="000000"/>
+                </a:solidFill>
+                <a:latin typeface="Arial"/>
+                <a:ea typeface="Arial"/>
+                <a:cs typeface="Arial"/>
+                <a:sym typeface="Arial"/>
+              </a:defRPr>
+            </a:lvl2pPr>
+            <a:lvl3pPr marR="0" lvl="2" algn="l" rtl="0">
+              <a:lnSpc>
+                <a:spcPct val="100000"/>
+              </a:lnSpc>
+              <a:spcBef>
+                <a:spcPts val="0"/>
+              </a:spcBef>
+              <a:spcAft>
+                <a:spcPts val="0"/>
+              </a:spcAft>
+              <a:buClr>
+                <a:srgbClr val="000000"/>
+              </a:buClr>
+              <a:buSzPts val="1400"/>
+              <a:buFont typeface="Arial"/>
+              <a:buNone/>
+              <a:defRPr sz="1800" b="0" i="0" u="none" strike="noStrike" cap="none">
+                <a:solidFill>
+                  <a:srgbClr val="000000"/>
+                </a:solidFill>
+                <a:latin typeface="Arial"/>
+                <a:ea typeface="Arial"/>
+                <a:cs typeface="Arial"/>
+                <a:sym typeface="Arial"/>
+              </a:defRPr>
+            </a:lvl3pPr>
+            <a:lvl4pPr marR="0" lvl="3" algn="l" rtl="0">
+              <a:lnSpc>
+                <a:spcPct val="100000"/>
+              </a:lnSpc>
+              <a:spcBef>
+                <a:spcPts val="0"/>
+              </a:spcBef>
+              <a:spcAft>
+                <a:spcPts val="0"/>
+              </a:spcAft>
+              <a:buClr>
+                <a:srgbClr val="000000"/>
+              </a:buClr>
+              <a:buSzPts val="1400"/>
+              <a:buFont typeface="Arial"/>
+              <a:buNone/>
+              <a:defRPr sz="1800" b="0" i="0" u="none" strike="noStrike" cap="none">
+                <a:solidFill>
+                  <a:srgbClr val="000000"/>
+                </a:solidFill>
+                <a:latin typeface="Arial"/>
+                <a:ea typeface="Arial"/>
+                <a:cs typeface="Arial"/>
+                <a:sym typeface="Arial"/>
+              </a:defRPr>
+            </a:lvl4pPr>
+            <a:lvl5pPr marR="0" lvl="4" algn="l" rtl="0">
+              <a:lnSpc>
+                <a:spcPct val="100000"/>
+              </a:lnSpc>
+              <a:spcBef>
+                <a:spcPts val="0"/>
+              </a:spcBef>
+              <a:spcAft>
+                <a:spcPts val="0"/>
+              </a:spcAft>
+              <a:buClr>
+                <a:srgbClr val="000000"/>
+              </a:buClr>
+              <a:buSzPts val="1400"/>
+              <a:buFont typeface="Arial"/>
+              <a:buNone/>
+              <a:defRPr sz="1800" b="0" i="0" u="none" strike="noStrike" cap="none">
+                <a:solidFill>
+                  <a:srgbClr val="000000"/>
+                </a:solidFill>
+                <a:latin typeface="Arial"/>
+                <a:ea typeface="Arial"/>
+                <a:cs typeface="Arial"/>
+                <a:sym typeface="Arial"/>
+              </a:defRPr>
+            </a:lvl5pPr>
+            <a:lvl6pPr marR="0" lvl="5" algn="l" rtl="0">
+              <a:lnSpc>
+                <a:spcPct val="100000"/>
+              </a:lnSpc>
+              <a:spcBef>
+                <a:spcPts val="0"/>
+              </a:spcBef>
+              <a:spcAft>
+                <a:spcPts val="0"/>
+              </a:spcAft>
+              <a:buClr>
+                <a:srgbClr val="000000"/>
+              </a:buClr>
+              <a:buSzPts val="1400"/>
+              <a:buFont typeface="Arial"/>
+              <a:buNone/>
+              <a:defRPr sz="1800" b="0" i="0" u="none" strike="noStrike" cap="none">
+                <a:solidFill>
+                  <a:srgbClr val="000000"/>
+                </a:solidFill>
+                <a:latin typeface="Arial"/>
+                <a:ea typeface="Arial"/>
+                <a:cs typeface="Arial"/>
+                <a:sym typeface="Arial"/>
+              </a:defRPr>
+            </a:lvl6pPr>
+            <a:lvl7pPr marR="0" lvl="6" algn="l" rtl="0">
+              <a:lnSpc>
+                <a:spcPct val="100000"/>
+              </a:lnSpc>
+              <a:spcBef>
+                <a:spcPts val="0"/>
+              </a:spcBef>
+              <a:spcAft>
+                <a:spcPts val="0"/>
+              </a:spcAft>
+              <a:buClr>
+                <a:srgbClr val="000000"/>
+              </a:buClr>
+              <a:buSzPts val="1400"/>
+              <a:buFont typeface="Arial"/>
+              <a:buNone/>
+              <a:defRPr sz="1800" b="0" i="0" u="none" strike="noStrike" cap="none">
+                <a:solidFill>
+                  <a:srgbClr val="000000"/>
+                </a:solidFill>
+                <a:latin typeface="Arial"/>
+                <a:ea typeface="Arial"/>
+                <a:cs typeface="Arial"/>
+                <a:sym typeface="Arial"/>
+              </a:defRPr>
+            </a:lvl7pPr>
+            <a:lvl8pPr marR="0" lvl="7" algn="l" rtl="0">
+              <a:lnSpc>
+                <a:spcPct val="100000"/>
+              </a:lnSpc>
+              <a:spcBef>
+                <a:spcPts val="0"/>
+              </a:spcBef>
+              <a:spcAft>
+                <a:spcPts val="0"/>
+              </a:spcAft>
+              <a:buClr>
+                <a:srgbClr val="000000"/>
+              </a:buClr>
+              <a:buSzPts val="1400"/>
+              <a:buFont typeface="Arial"/>
+              <a:buNone/>
+              <a:defRPr sz="1800" b="0" i="0" u="none" strike="noStrike" cap="none">
+                <a:solidFill>
+                  <a:srgbClr val="000000"/>
+                </a:solidFill>
+                <a:latin typeface="Arial"/>
+                <a:ea typeface="Arial"/>
+                <a:cs typeface="Arial"/>
+                <a:sym typeface="Arial"/>
+              </a:defRPr>
+            </a:lvl8pPr>
+            <a:lvl9pPr marR="0" lvl="8" algn="l" rtl="0">
+              <a:lnSpc>
+                <a:spcPct val="100000"/>
+              </a:lnSpc>
+              <a:spcBef>
+                <a:spcPts val="0"/>
+              </a:spcBef>
+              <a:spcAft>
+                <a:spcPts val="0"/>
+              </a:spcAft>
+              <a:buClr>
+                <a:srgbClr val="000000"/>
+              </a:buClr>
+              <a:buSzPts val="1400"/>
+              <a:buFont typeface="Arial"/>
+              <a:buNone/>
+              <a:defRPr sz="1800" b="0" i="0" u="none" strike="noStrike" cap="none">
+                <a:solidFill>
+                  <a:srgbClr val="000000"/>
+                </a:solidFill>
+                <a:latin typeface="Arial"/>
+                <a:ea typeface="Arial"/>
+                <a:cs typeface="Arial"/>
+                <a:sym typeface="Arial"/>
+              </a:defRPr>
+            </a:lvl9pPr>
+          </a:lstStyle>
+          <a:p>
+            <a:r>
+              <a:rPr lang="en-US" dirty="0" smtClean="0"/>
+              <a:t>May, 2024</a:t>
+            </a:r>
+            <a:endParaRPr lang="en-US" dirty="0"/>
+          </a:p>
+        </p:txBody>
+      </p:sp>
+    </p:spTree>
+    <p:extLst>
+      <p:ext uri="{BB962C8B-B14F-4D97-AF65-F5344CB8AC3E}">
+        <p14:creationId xmlns:p14="http://schemas.microsoft.com/office/powerpoint/2010/main" val="1474895552"/>
+      </p:ext>
+    </p:extLst>
+  </p:cSld>
+  <p:clrMapOvr>
+    <a:masterClrMapping/>
+  </p:clrMapOvr>
+</p:sld>
+</file>
+
+<file path=ppt/slides/slide43.xml><?xml version="1.0" encoding="utf-8"?>
+<p:sld xmlns:a="http://schemas.openxmlformats.org/drawingml/2006/main" xmlns:r="http://schemas.openxmlformats.org/officeDocument/2006/relationships" xmlns:p="http://schemas.openxmlformats.org/presentationml/2006/main">
+  <p:cSld>
+    <p:spTree>
+      <p:nvGrpSpPr>
+        <p:cNvPr id="1" name=""/>
+        <p:cNvGrpSpPr/>
+        <p:nvPr/>
+      </p:nvGrpSpPr>
+      <p:grpSpPr>
+        <a:xfrm>
+          <a:off x="0" y="0"/>
+          <a:ext cx="0" cy="0"/>
+          <a:chOff x="0" y="0"/>
+          <a:chExt cx="0" cy="0"/>
+        </a:xfrm>
+      </p:grpSpPr>
+      <p:pic>
+        <p:nvPicPr>
+          <p:cNvPr id="4" name="Picture 3"/>
+          <p:cNvPicPr>
+            <a:picLocks noChangeAspect="1"/>
+          </p:cNvPicPr>
+          <p:nvPr/>
+        </p:nvPicPr>
+        <p:blipFill>
+          <a:blip r:embed="rId2">
+            <a:extLst>
+              <a:ext uri="{28A0092B-C50C-407E-A947-70E740481C1C}">
+                <a14:useLocalDpi xmlns:a14="http://schemas.microsoft.com/office/drawing/2010/main" val="0"/>
+              </a:ext>
+            </a:extLst>
+          </a:blip>
+          <a:stretch>
+            <a:fillRect/>
+          </a:stretch>
+        </p:blipFill>
+        <p:spPr>
+          <a:xfrm>
+            <a:off x="3186114" y="0"/>
+            <a:ext cx="7553332" cy="6609165"/>
+          </a:xfrm>
+          <a:prstGeom prst="rect">
+            <a:avLst/>
+          </a:prstGeom>
+        </p:spPr>
+      </p:pic>
+      <p:sp>
+        <p:nvSpPr>
+          <p:cNvPr id="5" name="TextBox 4"/>
+          <p:cNvSpPr txBox="1"/>
+          <p:nvPr/>
+        </p:nvSpPr>
+        <p:spPr>
+          <a:xfrm>
+            <a:off x="265044" y="1762539"/>
+            <a:ext cx="2332382" cy="3539430"/>
+          </a:xfrm>
+          <a:prstGeom prst="rect">
+            <a:avLst/>
+          </a:prstGeom>
+          <a:noFill/>
+        </p:spPr>
+        <p:txBody>
+          <a:bodyPr wrap="square" rtlCol="0">
+            <a:spAutoFit/>
+          </a:bodyPr>
+          <a:lstStyle/>
+          <a:p>
+            <a:r>
+              <a:rPr lang="en-US" dirty="0" smtClean="0"/>
+              <a:t>Gamma= 2</a:t>
+            </a:r>
+          </a:p>
+          <a:p>
+            <a:r>
+              <a:rPr lang="en-US" dirty="0" smtClean="0"/>
+              <a:t>Latent </a:t>
+            </a:r>
+            <a:r>
+              <a:rPr lang="en-US" dirty="0" smtClean="0"/>
+              <a:t>dimension=32</a:t>
+            </a:r>
+          </a:p>
+          <a:p>
+            <a:r>
+              <a:rPr lang="en-US" dirty="0" smtClean="0">
+                <a:solidFill>
+                  <a:srgbClr val="FF0000"/>
+                </a:solidFill>
+              </a:rPr>
+              <a:t>LSTM layers= 2</a:t>
+            </a:r>
+          </a:p>
+          <a:p>
+            <a:r>
+              <a:rPr lang="en-US" dirty="0" smtClean="0">
+                <a:solidFill>
+                  <a:srgbClr val="FF0000"/>
+                </a:solidFill>
+              </a:rPr>
+              <a:t>Dropout= 0.2</a:t>
+            </a:r>
+          </a:p>
+          <a:p>
+            <a:r>
+              <a:rPr lang="en-US" dirty="0" smtClean="0"/>
+              <a:t>Hidden= 16</a:t>
+            </a:r>
+          </a:p>
+          <a:p>
+            <a:endParaRPr lang="en-US" dirty="0"/>
+          </a:p>
+          <a:p>
+            <a:r>
+              <a:rPr lang="en-US" dirty="0" smtClean="0"/>
+              <a:t>Correlation bug is fixed, but the model is over fitted</a:t>
+            </a:r>
+            <a:r>
+              <a:rPr lang="en-US" dirty="0" smtClean="0"/>
+              <a:t>, accuracy is low.</a:t>
+            </a:r>
+          </a:p>
+          <a:p>
+            <a:endParaRPr lang="en-US" dirty="0"/>
+          </a:p>
+          <a:p>
+            <a:r>
+              <a:rPr lang="en-US" dirty="0" smtClean="0"/>
+              <a:t>According to my experiments, we might need complex network, as when I increased the number of LSTM layers, I found better results.</a:t>
+            </a:r>
+            <a:endParaRPr lang="en-US" dirty="0"/>
+          </a:p>
+        </p:txBody>
+      </p:sp>
+    </p:spTree>
+    <p:extLst>
+      <p:ext uri="{BB962C8B-B14F-4D97-AF65-F5344CB8AC3E}">
+        <p14:creationId xmlns:p14="http://schemas.microsoft.com/office/powerpoint/2010/main" val="1429620979"/>
+      </p:ext>
+    </p:extLst>
+  </p:cSld>
+  <p:clrMapOvr>
+    <a:masterClrMapping/>
+  </p:clrMapOvr>
+</p:sld>
+</file>
+
+<file path=ppt/slides/slide44.xml><?xml version="1.0" encoding="utf-8"?>
+<p:sld xmlns:a="http://schemas.openxmlformats.org/drawingml/2006/main" xmlns:r="http://schemas.openxmlformats.org/officeDocument/2006/relationships" xmlns:p="http://schemas.openxmlformats.org/presentationml/2006/main">
+  <p:cSld>
+    <p:spTree>
+      <p:nvGrpSpPr>
+        <p:cNvPr id="1" name=""/>
+        <p:cNvGrpSpPr/>
+        <p:nvPr/>
+      </p:nvGrpSpPr>
+      <p:grpSpPr>
+        <a:xfrm>
+          <a:off x="0" y="0"/>
+          <a:ext cx="0" cy="0"/>
+          <a:chOff x="0" y="0"/>
+          <a:chExt cx="0" cy="0"/>
+        </a:xfrm>
+      </p:grpSpPr>
+      <p:pic>
+        <p:nvPicPr>
+          <p:cNvPr id="4" name="Picture 3"/>
+          <p:cNvPicPr>
+            <a:picLocks noChangeAspect="1"/>
+          </p:cNvPicPr>
+          <p:nvPr/>
+        </p:nvPicPr>
+        <p:blipFill>
+          <a:blip r:embed="rId2">
+            <a:extLst>
+              <a:ext uri="{28A0092B-C50C-407E-A947-70E740481C1C}">
+                <a14:useLocalDpi xmlns:a14="http://schemas.microsoft.com/office/drawing/2010/main" val="0"/>
+              </a:ext>
+            </a:extLst>
+          </a:blip>
+          <a:stretch>
+            <a:fillRect/>
+          </a:stretch>
+        </p:blipFill>
+        <p:spPr>
+          <a:xfrm>
+            <a:off x="2879272" y="142869"/>
+            <a:ext cx="7674436" cy="6715131"/>
+          </a:xfrm>
+          <a:prstGeom prst="rect">
+            <a:avLst/>
+          </a:prstGeom>
+        </p:spPr>
+      </p:pic>
+      <p:sp>
+        <p:nvSpPr>
+          <p:cNvPr id="6" name="TextBox 5"/>
+          <p:cNvSpPr txBox="1"/>
+          <p:nvPr/>
+        </p:nvSpPr>
+        <p:spPr>
+          <a:xfrm>
+            <a:off x="393632" y="1192110"/>
+            <a:ext cx="2332382" cy="4616648"/>
+          </a:xfrm>
+          <a:prstGeom prst="rect">
+            <a:avLst/>
+          </a:prstGeom>
+          <a:noFill/>
+        </p:spPr>
+        <p:txBody>
+          <a:bodyPr wrap="square" rtlCol="0">
+            <a:spAutoFit/>
+          </a:bodyPr>
+          <a:lstStyle/>
+          <a:p>
+            <a:r>
+              <a:rPr lang="en-US" dirty="0"/>
+              <a:t>Gamma= 2</a:t>
+            </a:r>
+          </a:p>
+          <a:p>
+            <a:r>
+              <a:rPr lang="en-US" dirty="0"/>
+              <a:t>Latent dimension=32</a:t>
+            </a:r>
+          </a:p>
+          <a:p>
+            <a:r>
+              <a:rPr lang="en-US" dirty="0">
+                <a:solidFill>
+                  <a:srgbClr val="FF0000"/>
+                </a:solidFill>
+              </a:rPr>
+              <a:t>LSTM layers= </a:t>
+            </a:r>
+            <a:r>
+              <a:rPr lang="en-US" dirty="0" smtClean="0">
+                <a:solidFill>
+                  <a:srgbClr val="FF0000"/>
+                </a:solidFill>
+              </a:rPr>
+              <a:t>1</a:t>
+            </a:r>
+            <a:endParaRPr lang="en-US" dirty="0">
+              <a:solidFill>
+                <a:srgbClr val="FF0000"/>
+              </a:solidFill>
+            </a:endParaRPr>
+          </a:p>
+          <a:p>
+            <a:r>
+              <a:rPr lang="en-US" dirty="0">
+                <a:solidFill>
+                  <a:srgbClr val="FF0000"/>
+                </a:solidFill>
+              </a:rPr>
+              <a:t>Dropout= </a:t>
+            </a:r>
+            <a:r>
+              <a:rPr lang="en-US" dirty="0" smtClean="0">
+                <a:solidFill>
+                  <a:srgbClr val="FF0000"/>
+                </a:solidFill>
+              </a:rPr>
+              <a:t>0</a:t>
+            </a:r>
+            <a:endParaRPr lang="en-US" dirty="0">
+              <a:solidFill>
+                <a:srgbClr val="FF0000"/>
+              </a:solidFill>
+            </a:endParaRPr>
+          </a:p>
+          <a:p>
+            <a:r>
+              <a:rPr lang="en-US" dirty="0"/>
+              <a:t>Hidden= </a:t>
+            </a:r>
+            <a:r>
+              <a:rPr lang="en-US" dirty="0" smtClean="0"/>
+              <a:t>16</a:t>
+            </a:r>
+          </a:p>
+          <a:p>
+            <a:endParaRPr lang="en-US" dirty="0"/>
+          </a:p>
+          <a:p>
+            <a:endParaRPr lang="en-US" dirty="0" smtClean="0"/>
+          </a:p>
+          <a:p>
+            <a:r>
+              <a:rPr lang="en-US" dirty="0" smtClean="0"/>
+              <a:t>My plan: </a:t>
+            </a:r>
+          </a:p>
+          <a:p>
+            <a:r>
+              <a:rPr lang="en-US" dirty="0" smtClean="0"/>
+              <a:t>Increase batch size to 64, as </a:t>
+            </a:r>
+            <a:r>
+              <a:rPr lang="en-US" dirty="0"/>
+              <a:t>l</a:t>
+            </a:r>
+            <a:r>
+              <a:rPr lang="en-US" dirty="0" smtClean="0"/>
+              <a:t>arger </a:t>
+            </a:r>
+            <a:r>
+              <a:rPr lang="en-US" dirty="0"/>
+              <a:t>batch </a:t>
+            </a:r>
+            <a:r>
+              <a:rPr lang="en-US" dirty="0" smtClean="0"/>
+              <a:t>size generally provides </a:t>
+            </a:r>
+            <a:r>
+              <a:rPr lang="en-US" dirty="0"/>
+              <a:t>more stable and accurate estimates of the gradient</a:t>
+            </a:r>
+            <a:r>
+              <a:rPr lang="en-US" dirty="0" smtClean="0"/>
+              <a:t>.</a:t>
+            </a:r>
+          </a:p>
+          <a:p>
+            <a:endParaRPr lang="en-US" dirty="0"/>
+          </a:p>
+          <a:p>
+            <a:r>
+              <a:rPr lang="en-US" dirty="0"/>
+              <a:t>With a larger batch size, the model may converge more smoothly, although potentially requiring more epochs to reach the same level of accuracy as with smaller batches.</a:t>
+            </a:r>
+            <a:endParaRPr lang="en-US" dirty="0"/>
+          </a:p>
+        </p:txBody>
+      </p:sp>
+    </p:spTree>
+    <p:extLst>
+      <p:ext uri="{BB962C8B-B14F-4D97-AF65-F5344CB8AC3E}">
+        <p14:creationId xmlns:p14="http://schemas.microsoft.com/office/powerpoint/2010/main" val="191248551"/>
       </p:ext>
     </p:extLst>
   </p:cSld>
